--- a/inna/Занятие6/Занятие 6.pptx
+++ b/inna/Занятие6/Занятие 6.pptx
@@ -3131,7 +3131,7 @@
               <a:t>TEST</a:t>
             </a:r>
             <a:r>
-              <a:rPr lang="ru-RU" sz="1200" b="0" i="0" kern="1200" smtClean="0">
+              <a:rPr lang="ru-RU" sz="1200" b="0" i="0" kern="1200" dirty="0" smtClean="0">
                 <a:solidFill>
                   <a:schemeClr val="tx1"/>
                 </a:solidFill>
@@ -3182,135 +3182,48 @@
               <a:rPr lang="en-US" dirty="0" smtClean="0"/>
             </a:br>
             <a:r>
-              <a:rPr lang="en-US" sz="1200" b="0" i="0" kern="1200" dirty="0" smtClean="0">
-                <a:solidFill>
-                  <a:schemeClr val="tx1"/>
-                </a:solidFill>
-                <a:latin typeface="+mn-lt"/>
-                <a:ea typeface="+mn-ea"/>
-                <a:cs typeface="+mn-cs"/>
-              </a:rPr>
-              <a:t>Which of the following requirements would be tested by a functional system test?</a:t>
-            </a:r>
-            <a:endParaRPr lang="ru-RU" sz="1200" b="0" i="0" kern="1200" dirty="0" smtClean="0">
-              <a:solidFill>
-                <a:schemeClr val="tx1"/>
-              </a:solidFill>
-              <a:latin typeface="+mn-lt"/>
-              <a:ea typeface="+mn-ea"/>
-              <a:cs typeface="+mn-cs"/>
-            </a:endParaRPr>
-          </a:p>
-          <a:p>
-            <a:r>
               <a:rPr lang="en-US" dirty="0" smtClean="0"/>
-              <a:t/>
-            </a:r>
-            <a:br>
+              <a:t>Where may functional testing be performed? </a:t>
+            </a:r>
+          </a:p>
+          <a:p>
+            <a:endParaRPr lang="en-US" dirty="0" smtClean="0"/>
+          </a:p>
+          <a:p>
+            <a:pPr marL="228600" indent="-228600">
+              <a:buAutoNum type="alphaUcPeriod"/>
+            </a:pPr>
+            <a:r>
               <a:rPr lang="en-US" dirty="0" smtClean="0"/>
-            </a:br>
-            <a:r>
-              <a:rPr lang="en-US" sz="1200" b="0" i="0" kern="1200" dirty="0" smtClean="0">
-                <a:solidFill>
-                  <a:schemeClr val="tx1"/>
-                </a:solidFill>
-                <a:latin typeface="+mn-lt"/>
-                <a:ea typeface="+mn-ea"/>
-                <a:cs typeface="+mn-cs"/>
-              </a:rPr>
-              <a:t>A The system must be able to perform its functions for an average of 23 hours 50 </a:t>
-            </a:r>
-            <a:r>
-              <a:rPr lang="en-US" sz="1200" b="0" i="0" kern="1200" dirty="0" err="1" smtClean="0">
-                <a:solidFill>
-                  <a:schemeClr val="tx1"/>
-                </a:solidFill>
-                <a:latin typeface="+mn-lt"/>
-                <a:ea typeface="+mn-ea"/>
-                <a:cs typeface="+mn-cs"/>
-              </a:rPr>
-              <a:t>mins</a:t>
-            </a:r>
+              <a:t>At system and acceptance testing levels only. </a:t>
+            </a:r>
+          </a:p>
+          <a:p>
+            <a:pPr marL="228600" indent="-228600">
+              <a:buAutoNum type="alphaUcPeriod"/>
+            </a:pPr>
             <a:r>
               <a:rPr lang="en-US" dirty="0" smtClean="0"/>
-              <a:t/>
-            </a:r>
-            <a:br>
+              <a:t>At all test levels. </a:t>
+            </a:r>
+          </a:p>
+          <a:p>
+            <a:pPr marL="228600" indent="-228600">
+              <a:buAutoNum type="alphaUcPeriod"/>
+            </a:pPr>
+            <a:r>
               <a:rPr lang="en-US" dirty="0" smtClean="0"/>
-            </a:br>
-            <a:r>
-              <a:rPr lang="en-US" sz="1200" b="0" i="0" kern="1200" dirty="0" smtClean="0">
-                <a:solidFill>
-                  <a:schemeClr val="tx1"/>
-                </a:solidFill>
-                <a:latin typeface="+mn-lt"/>
-                <a:ea typeface="+mn-ea"/>
-                <a:cs typeface="+mn-cs"/>
-              </a:rPr>
-              <a:t>per day.</a:t>
-            </a:r>
+              <a:t>At all levels above integration testing. </a:t>
+            </a:r>
+          </a:p>
+          <a:p>
+            <a:pPr marL="228600" indent="-228600">
+              <a:buAutoNum type="alphaUcPeriod"/>
+            </a:pPr>
             <a:r>
               <a:rPr lang="en-US" dirty="0" smtClean="0"/>
-              <a:t/>
-            </a:r>
-            <a:br>
-              <a:rPr lang="en-US" dirty="0" smtClean="0"/>
-            </a:br>
-            <a:r>
-              <a:rPr lang="en-US" sz="1200" b="0" i="0" kern="1200" dirty="0" smtClean="0">
-                <a:solidFill>
-                  <a:schemeClr val="tx1"/>
-                </a:solidFill>
-                <a:latin typeface="+mn-lt"/>
-                <a:ea typeface="+mn-ea"/>
-                <a:cs typeface="+mn-cs"/>
-              </a:rPr>
-              <a:t>B The system must perform adequately for up to 30 users.</a:t>
-            </a:r>
-            <a:r>
-              <a:rPr lang="en-US" dirty="0" smtClean="0"/>
-              <a:t/>
-            </a:r>
-            <a:br>
-              <a:rPr lang="en-US" dirty="0" smtClean="0"/>
-            </a:br>
-            <a:r>
-              <a:rPr lang="en-US" sz="1200" b="0" i="0" kern="1200" dirty="0" smtClean="0">
-                <a:solidFill>
-                  <a:schemeClr val="tx1"/>
-                </a:solidFill>
-                <a:latin typeface="+mn-lt"/>
-                <a:ea typeface="+mn-ea"/>
-                <a:cs typeface="+mn-cs"/>
-              </a:rPr>
-              <a:t>C The system must allow a user to amend the address of a customer.</a:t>
-            </a:r>
-            <a:r>
-              <a:rPr lang="en-US" dirty="0" smtClean="0"/>
-              <a:t/>
-            </a:r>
-            <a:br>
-              <a:rPr lang="en-US" dirty="0" smtClean="0"/>
-            </a:br>
-            <a:r>
-              <a:rPr lang="en-US" sz="1200" b="0" i="0" kern="1200" dirty="0" smtClean="0">
-                <a:solidFill>
-                  <a:schemeClr val="tx1"/>
-                </a:solidFill>
-                <a:latin typeface="+mn-lt"/>
-                <a:ea typeface="+mn-ea"/>
-                <a:cs typeface="+mn-cs"/>
-              </a:rPr>
-              <a:t>D The system must allow 12,000 new customers per year.</a:t>
-            </a:r>
-            <a:endParaRPr lang="ru-RU" sz="1200" b="0" i="0" kern="1200" dirty="0" smtClean="0">
-              <a:solidFill>
-                <a:schemeClr val="tx1"/>
-              </a:solidFill>
-              <a:latin typeface="+mn-lt"/>
-              <a:ea typeface="+mn-ea"/>
-              <a:cs typeface="+mn-cs"/>
-            </a:endParaRPr>
+              <a:t>At the acceptance testing level only. </a:t>
+            </a:r>
           </a:p>
           <a:p>
             <a:endParaRPr lang="en-US" sz="1200" b="0" i="0" kern="1200" dirty="0" smtClean="0">
@@ -3357,336 +3270,44 @@
               <a:rPr lang="en-US" dirty="0" smtClean="0"/>
             </a:br>
             <a:r>
-              <a:rPr lang="en-US" sz="1200" b="0" i="0" kern="1200" dirty="0" smtClean="0">
-                <a:solidFill>
-                  <a:schemeClr val="tx1"/>
-                </a:solidFill>
-                <a:latin typeface="+mn-lt"/>
-                <a:ea typeface="+mn-ea"/>
-                <a:cs typeface="+mn-cs"/>
-              </a:rPr>
-              <a:t>Considering the following pseudo-code, calculate the MINIMUM number of test cases</a:t>
-            </a:r>
-            <a:r>
               <a:rPr lang="en-US" dirty="0" smtClean="0"/>
-              <a:t/>
-            </a:r>
-            <a:br>
+              <a:t>Who would USUALLY perform debugging activities? </a:t>
+            </a:r>
+          </a:p>
+          <a:p>
+            <a:endParaRPr lang="en-US" dirty="0" smtClean="0"/>
+          </a:p>
+          <a:p>
+            <a:r>
               <a:rPr lang="en-US" dirty="0" smtClean="0"/>
-            </a:br>
-            <a:r>
-              <a:rPr lang="en-US" sz="1200" b="0" i="0" kern="1200" dirty="0" smtClean="0">
-                <a:solidFill>
-                  <a:schemeClr val="tx1"/>
-                </a:solidFill>
-                <a:latin typeface="+mn-lt"/>
-                <a:ea typeface="+mn-ea"/>
-                <a:cs typeface="+mn-cs"/>
-              </a:rPr>
-              <a:t>for statement coverage, and the MINIMUM number of test cases for decision </a:t>
-            </a:r>
-          </a:p>
-          <a:p>
-            <a:r>
-              <a:rPr lang="en-US" sz="1200" b="0" i="0" kern="1200" dirty="0" smtClean="0">
-                <a:solidFill>
-                  <a:schemeClr val="tx1"/>
-                </a:solidFill>
-                <a:latin typeface="+mn-lt"/>
-                <a:ea typeface="+mn-ea"/>
-                <a:cs typeface="+mn-cs"/>
-              </a:rPr>
-              <a:t>coverage respectively.</a:t>
+              <a:t>A. Developers. </a:t>
             </a:r>
           </a:p>
           <a:p>
             <a:r>
               <a:rPr lang="en-US" dirty="0" smtClean="0"/>
-              <a:t/>
-            </a:r>
-            <a:br>
+              <a:t>B. Analysts. </a:t>
+            </a:r>
+          </a:p>
+          <a:p>
+            <a:r>
               <a:rPr lang="en-US" dirty="0" smtClean="0"/>
-            </a:br>
-            <a:r>
-              <a:rPr lang="en-US" sz="1200" b="0" i="0" kern="1200" dirty="0" smtClean="0">
-                <a:solidFill>
-                  <a:schemeClr val="tx1"/>
-                </a:solidFill>
-                <a:latin typeface="+mn-lt"/>
-                <a:ea typeface="+mn-ea"/>
-                <a:cs typeface="+mn-cs"/>
-              </a:rPr>
-              <a:t>READ A</a:t>
-            </a:r>
+              <a:t>C. Testers. </a:t>
+            </a:r>
+          </a:p>
+          <a:p>
             <a:r>
               <a:rPr lang="en-US" dirty="0" smtClean="0"/>
-              <a:t/>
-            </a:r>
-            <a:br>
-              <a:rPr lang="en-US" dirty="0" smtClean="0"/>
-            </a:br>
-            <a:r>
-              <a:rPr lang="en-US" sz="1200" b="0" i="0" kern="1200" dirty="0" smtClean="0">
-                <a:solidFill>
-                  <a:schemeClr val="tx1"/>
-                </a:solidFill>
-                <a:latin typeface="+mn-lt"/>
-                <a:ea typeface="+mn-ea"/>
-                <a:cs typeface="+mn-cs"/>
-              </a:rPr>
-              <a:t>READ B</a:t>
-            </a:r>
-            <a:r>
-              <a:rPr lang="en-US" dirty="0" smtClean="0"/>
-              <a:t/>
-            </a:r>
-            <a:br>
-              <a:rPr lang="en-US" dirty="0" smtClean="0"/>
-            </a:br>
-            <a:r>
-              <a:rPr lang="en-US" sz="1200" b="0" i="0" kern="1200" dirty="0" smtClean="0">
-                <a:solidFill>
-                  <a:schemeClr val="tx1"/>
-                </a:solidFill>
-                <a:latin typeface="+mn-lt"/>
-                <a:ea typeface="+mn-ea"/>
-                <a:cs typeface="+mn-cs"/>
-              </a:rPr>
-              <a:t>READ C</a:t>
-            </a:r>
-            <a:r>
-              <a:rPr lang="en-US" dirty="0" smtClean="0"/>
-              <a:t/>
-            </a:r>
-            <a:br>
-              <a:rPr lang="en-US" dirty="0" smtClean="0"/>
-            </a:br>
-            <a:r>
-              <a:rPr lang="en-US" sz="1200" b="0" i="0" kern="1200" dirty="0" smtClean="0">
-                <a:solidFill>
-                  <a:schemeClr val="tx1"/>
-                </a:solidFill>
-                <a:latin typeface="+mn-lt"/>
-                <a:ea typeface="+mn-ea"/>
-                <a:cs typeface="+mn-cs"/>
-              </a:rPr>
-              <a:t>IF C&gt;A THEN</a:t>
-            </a:r>
-            <a:r>
-              <a:rPr lang="en-US" dirty="0" smtClean="0"/>
-              <a:t/>
-            </a:r>
-            <a:br>
-              <a:rPr lang="en-US" dirty="0" smtClean="0"/>
-            </a:br>
-            <a:r>
-              <a:rPr lang="en-US" baseline="0" dirty="0" smtClean="0"/>
-              <a:t>   </a:t>
-            </a:r>
-            <a:r>
-              <a:rPr lang="en-US" sz="1200" b="0" i="0" kern="1200" dirty="0" smtClean="0">
-                <a:solidFill>
-                  <a:schemeClr val="tx1"/>
-                </a:solidFill>
-                <a:latin typeface="+mn-lt"/>
-                <a:ea typeface="+mn-ea"/>
-                <a:cs typeface="+mn-cs"/>
-              </a:rPr>
-              <a:t>IF C&gt;B THEN</a:t>
-            </a:r>
-            <a:r>
-              <a:rPr lang="en-US" sz="1200" b="0" i="0" kern="1200" baseline="0" dirty="0" smtClean="0">
-                <a:solidFill>
-                  <a:schemeClr val="tx1"/>
-                </a:solidFill>
-                <a:latin typeface="+mn-lt"/>
-                <a:ea typeface="+mn-ea"/>
-                <a:cs typeface="+mn-cs"/>
-              </a:rPr>
-              <a:t> </a:t>
-            </a:r>
-            <a:r>
-              <a:rPr lang="en-US" sz="1200" b="0" i="0" kern="1200" dirty="0" smtClean="0">
-                <a:solidFill>
-                  <a:schemeClr val="tx1"/>
-                </a:solidFill>
-                <a:latin typeface="+mn-lt"/>
-                <a:ea typeface="+mn-ea"/>
-                <a:cs typeface="+mn-cs"/>
-              </a:rPr>
-              <a:t>PRINT "C must be smaller than at least one number"</a:t>
-            </a:r>
-            <a:r>
-              <a:rPr lang="en-US" dirty="0" smtClean="0"/>
-              <a:t/>
-            </a:r>
-            <a:br>
-              <a:rPr lang="en-US" dirty="0" smtClean="0"/>
-            </a:br>
-            <a:r>
-              <a:rPr lang="en-US" baseline="0" dirty="0" smtClean="0"/>
-              <a:t>      </a:t>
-            </a:r>
-            <a:r>
-              <a:rPr lang="en-US" sz="1200" b="0" i="0" kern="1200" dirty="0" smtClean="0">
-                <a:solidFill>
-                  <a:schemeClr val="tx1"/>
-                </a:solidFill>
-                <a:latin typeface="+mn-lt"/>
-                <a:ea typeface="+mn-ea"/>
-                <a:cs typeface="+mn-cs"/>
-              </a:rPr>
-              <a:t>ELSE PRINT "Proceed to next stage“</a:t>
-            </a:r>
-          </a:p>
-          <a:p>
-            <a:r>
-              <a:rPr lang="en-US" sz="1200" b="0" i="0" kern="1200" dirty="0" smtClean="0">
-                <a:solidFill>
-                  <a:schemeClr val="tx1"/>
-                </a:solidFill>
-                <a:latin typeface="+mn-lt"/>
-                <a:ea typeface="+mn-ea"/>
-                <a:cs typeface="+mn-cs"/>
-              </a:rPr>
-              <a:t>   ENDIF</a:t>
-            </a:r>
-            <a:r>
-              <a:rPr lang="en-US" dirty="0" smtClean="0"/>
-              <a:t/>
-            </a:r>
-            <a:br>
-              <a:rPr lang="en-US" dirty="0" smtClean="0"/>
-            </a:br>
-            <a:r>
-              <a:rPr lang="en-US" dirty="0" smtClean="0"/>
-              <a:t>   </a:t>
-            </a:r>
-            <a:r>
-              <a:rPr lang="en-US" sz="1200" b="0" i="0" kern="1200" dirty="0" smtClean="0">
-                <a:solidFill>
-                  <a:schemeClr val="tx1"/>
-                </a:solidFill>
-                <a:latin typeface="+mn-lt"/>
-                <a:ea typeface="+mn-ea"/>
-                <a:cs typeface="+mn-cs"/>
-              </a:rPr>
-              <a:t>ELSE</a:t>
-            </a:r>
-            <a:r>
-              <a:rPr lang="en-US" sz="1200" b="0" i="0" kern="1200" baseline="0" dirty="0" smtClean="0">
-                <a:solidFill>
-                  <a:schemeClr val="tx1"/>
-                </a:solidFill>
-                <a:latin typeface="+mn-lt"/>
-                <a:ea typeface="+mn-ea"/>
-                <a:cs typeface="+mn-cs"/>
-              </a:rPr>
-              <a:t> </a:t>
-            </a:r>
-            <a:r>
-              <a:rPr lang="en-US" sz="1200" b="0" i="0" kern="1200" dirty="0" smtClean="0">
-                <a:solidFill>
-                  <a:schemeClr val="tx1"/>
-                </a:solidFill>
-                <a:latin typeface="+mn-lt"/>
-                <a:ea typeface="+mn-ea"/>
-                <a:cs typeface="+mn-cs"/>
-              </a:rPr>
-              <a:t>PRINT "B can be smaller than C"</a:t>
-            </a:r>
-            <a:r>
-              <a:rPr lang="en-US" dirty="0" smtClean="0"/>
-              <a:t/>
-            </a:r>
-            <a:br>
-              <a:rPr lang="en-US" dirty="0" smtClean="0"/>
-            </a:br>
-            <a:r>
-              <a:rPr lang="en-US" sz="1200" b="0" i="0" kern="1200" dirty="0" smtClean="0">
-                <a:solidFill>
-                  <a:schemeClr val="tx1"/>
-                </a:solidFill>
-                <a:latin typeface="+mn-lt"/>
-                <a:ea typeface="+mn-ea"/>
-                <a:cs typeface="+mn-cs"/>
-              </a:rPr>
-              <a:t>ENDIF</a:t>
-            </a:r>
-          </a:p>
-          <a:p>
-            <a:r>
-              <a:rPr lang="en-US" dirty="0" smtClean="0"/>
-              <a:t/>
-            </a:r>
-            <a:br>
-              <a:rPr lang="en-US" dirty="0" smtClean="0"/>
-            </a:br>
-            <a:r>
-              <a:rPr lang="en-US" sz="1200" b="0" i="0" kern="1200" dirty="0" smtClean="0">
-                <a:solidFill>
-                  <a:schemeClr val="tx1"/>
-                </a:solidFill>
-                <a:latin typeface="+mn-lt"/>
-                <a:ea typeface="+mn-ea"/>
-                <a:cs typeface="+mn-cs"/>
-              </a:rPr>
-              <a:t>A 3, 3.</a:t>
-            </a:r>
-            <a:r>
-              <a:rPr lang="en-US" dirty="0" smtClean="0"/>
-              <a:t/>
-            </a:r>
-            <a:br>
-              <a:rPr lang="en-US" dirty="0" smtClean="0"/>
-            </a:br>
-            <a:r>
-              <a:rPr lang="en-US" sz="1200" b="0" i="0" kern="1200" dirty="0" smtClean="0">
-                <a:solidFill>
-                  <a:schemeClr val="tx1"/>
-                </a:solidFill>
-                <a:latin typeface="+mn-lt"/>
-                <a:ea typeface="+mn-ea"/>
-                <a:cs typeface="+mn-cs"/>
-              </a:rPr>
-              <a:t>B 2, 3.</a:t>
-            </a:r>
-            <a:r>
-              <a:rPr lang="en-US" dirty="0" smtClean="0"/>
-              <a:t/>
-            </a:r>
-            <a:br>
-              <a:rPr lang="en-US" dirty="0" smtClean="0"/>
-            </a:br>
-            <a:r>
-              <a:rPr lang="en-US" sz="1200" b="0" i="0" kern="1200" dirty="0" smtClean="0">
-                <a:solidFill>
-                  <a:schemeClr val="tx1"/>
-                </a:solidFill>
-                <a:latin typeface="+mn-lt"/>
-                <a:ea typeface="+mn-ea"/>
-                <a:cs typeface="+mn-cs"/>
-              </a:rPr>
-              <a:t>C 2, 4.</a:t>
-            </a:r>
-            <a:r>
-              <a:rPr lang="en-US" dirty="0" smtClean="0"/>
-              <a:t/>
-            </a:r>
-            <a:br>
-              <a:rPr lang="en-US" dirty="0" smtClean="0"/>
-            </a:br>
-            <a:r>
-              <a:rPr lang="en-US" sz="1200" b="0" i="0" kern="1200" dirty="0" smtClean="0">
-                <a:solidFill>
-                  <a:schemeClr val="tx1"/>
-                </a:solidFill>
-                <a:latin typeface="+mn-lt"/>
-                <a:ea typeface="+mn-ea"/>
-                <a:cs typeface="+mn-cs"/>
-              </a:rPr>
-              <a:t>D 3, 2.</a:t>
-            </a:r>
+              <a:t>D. Incident Managers. </a:t>
+            </a:r>
+            <a:endParaRPr lang="en-US" sz="1200" b="0" i="0" kern="1200" dirty="0" smtClean="0">
+              <a:solidFill>
+                <a:schemeClr val="tx1"/>
+              </a:solidFill>
+              <a:latin typeface="+mn-lt"/>
+              <a:ea typeface="+mn-ea"/>
+              <a:cs typeface="+mn-cs"/>
+            </a:endParaRPr>
           </a:p>
           <a:p>
             <a:endParaRPr lang="en-US" sz="1200" b="0" i="0" kern="1200" dirty="0" smtClean="0">
@@ -3749,256 +3370,141 @@
           </a:p>
           <a:p>
             <a:r>
-              <a:rPr lang="en-US" sz="1200" b="0" i="0" kern="1200" dirty="0" smtClean="0">
-                <a:solidFill>
-                  <a:schemeClr val="tx1"/>
-                </a:solidFill>
-                <a:latin typeface="+mn-lt"/>
-                <a:ea typeface="+mn-ea"/>
-                <a:cs typeface="+mn-cs"/>
-              </a:rPr>
-              <a:t>The following statements are used to describe the basis for creating test cases using either</a:t>
-            </a:r>
-            <a:r>
               <a:rPr lang="en-US" dirty="0" smtClean="0"/>
-              <a:t/>
-            </a:r>
-            <a:br>
+              <a:t>Given the following fragment of code, how many tests are required for 100% decision coverage? </a:t>
+            </a:r>
+          </a:p>
+          <a:p>
+            <a:r>
               <a:rPr lang="en-US" dirty="0" smtClean="0"/>
-            </a:br>
-            <a:r>
-              <a:rPr lang="en-US" sz="1200" b="0" i="0" kern="1200" dirty="0" smtClean="0">
-                <a:solidFill>
-                  <a:schemeClr val="tx1"/>
-                </a:solidFill>
-                <a:latin typeface="+mn-lt"/>
-                <a:ea typeface="+mn-ea"/>
-                <a:cs typeface="+mn-cs"/>
-              </a:rPr>
-              <a:t>black or white box techniques:</a:t>
-            </a:r>
-          </a:p>
-          <a:p>
+              <a:t>if width &gt; length then </a:t>
+            </a:r>
+            <a:r>
+              <a:rPr lang="en-US" dirty="0" err="1" smtClean="0"/>
+              <a:t>biggestDimension</a:t>
+            </a:r>
             <a:r>
               <a:rPr lang="en-US" dirty="0" smtClean="0"/>
-              <a:t/>
-            </a:r>
-            <a:br>
+              <a:t> = width </a:t>
+            </a:r>
+          </a:p>
+          <a:p>
+            <a:r>
               <a:rPr lang="en-US" dirty="0" smtClean="0"/>
-            </a:br>
-            <a:r>
-              <a:rPr lang="en-US" sz="1200" b="0" i="0" kern="1200" dirty="0" err="1" smtClean="0">
-                <a:solidFill>
-                  <a:schemeClr val="tx1"/>
-                </a:solidFill>
-                <a:latin typeface="+mn-lt"/>
-                <a:ea typeface="+mn-ea"/>
-                <a:cs typeface="+mn-cs"/>
-              </a:rPr>
-              <a:t>i</a:t>
-            </a:r>
-            <a:r>
-              <a:rPr lang="en-US" sz="1200" b="0" i="0" kern="1200" dirty="0" smtClean="0">
-                <a:solidFill>
-                  <a:schemeClr val="tx1"/>
-                </a:solidFill>
-                <a:latin typeface="+mn-lt"/>
-                <a:ea typeface="+mn-ea"/>
-                <a:cs typeface="+mn-cs"/>
-              </a:rPr>
-              <a:t> information about how the software is constructed.</a:t>
+              <a:t>	if height &gt; width then </a:t>
+            </a:r>
+            <a:r>
+              <a:rPr lang="en-US" dirty="0" err="1" smtClean="0"/>
+              <a:t>biggestDimension</a:t>
             </a:r>
             <a:r>
               <a:rPr lang="en-US" dirty="0" smtClean="0"/>
-              <a:t/>
-            </a:r>
-            <a:br>
+              <a:t> = height</a:t>
+            </a:r>
+          </a:p>
+          <a:p>
+            <a:r>
               <a:rPr lang="en-US" dirty="0" smtClean="0"/>
-            </a:br>
-            <a:r>
-              <a:rPr lang="en-US" sz="1200" b="0" i="0" kern="1200" dirty="0" smtClean="0">
-                <a:solidFill>
-                  <a:schemeClr val="tx1"/>
-                </a:solidFill>
-                <a:latin typeface="+mn-lt"/>
-                <a:ea typeface="+mn-ea"/>
-                <a:cs typeface="+mn-cs"/>
-              </a:rPr>
-              <a:t>ii models of the system, software or components.</a:t>
+              <a:t>	</a:t>
+            </a:r>
+            <a:r>
+              <a:rPr lang="en-US" dirty="0" err="1" smtClean="0"/>
+              <a:t>end_if</a:t>
             </a:r>
             <a:r>
               <a:rPr lang="en-US" dirty="0" smtClean="0"/>
-              <a:t/>
-            </a:r>
-            <a:br>
+              <a:t> </a:t>
+            </a:r>
+          </a:p>
+          <a:p>
+            <a:r>
               <a:rPr lang="en-US" dirty="0" smtClean="0"/>
-            </a:br>
-            <a:r>
-              <a:rPr lang="en-US" sz="1200" b="0" i="0" kern="1200" dirty="0" smtClean="0">
-                <a:solidFill>
-                  <a:schemeClr val="tx1"/>
-                </a:solidFill>
-                <a:latin typeface="+mn-lt"/>
-                <a:ea typeface="+mn-ea"/>
-                <a:cs typeface="+mn-cs"/>
-              </a:rPr>
-              <a:t>iii analysis of the test basis documentation.</a:t>
+              <a:t>	else </a:t>
+            </a:r>
+            <a:r>
+              <a:rPr lang="en-US" dirty="0" err="1" smtClean="0"/>
+              <a:t>biggestDimension</a:t>
             </a:r>
             <a:r>
               <a:rPr lang="en-US" dirty="0" smtClean="0"/>
-              <a:t/>
-            </a:r>
-            <a:br>
+              <a:t> = length </a:t>
+            </a:r>
+          </a:p>
+          <a:p>
+            <a:r>
               <a:rPr lang="en-US" dirty="0" smtClean="0"/>
-            </a:br>
-            <a:r>
-              <a:rPr lang="en-US" sz="1200" b="0" i="0" kern="1200" dirty="0" smtClean="0">
-                <a:solidFill>
-                  <a:schemeClr val="tx1"/>
-                </a:solidFill>
-                <a:latin typeface="+mn-lt"/>
-                <a:ea typeface="+mn-ea"/>
-                <a:cs typeface="+mn-cs"/>
-              </a:rPr>
-              <a:t>iv analysis of the internal structure of the components.</a:t>
-            </a:r>
-          </a:p>
-          <a:p>
+              <a:t>		if height &gt; length then </a:t>
+            </a:r>
+            <a:r>
+              <a:rPr lang="en-US" dirty="0" err="1" smtClean="0"/>
+              <a:t>biggestDimension</a:t>
+            </a:r>
             <a:r>
               <a:rPr lang="en-US" dirty="0" smtClean="0"/>
-              <a:t/>
-            </a:r>
-            <a:br>
+              <a:t> = height </a:t>
+            </a:r>
+          </a:p>
+          <a:p>
+            <a:r>
               <a:rPr lang="en-US" dirty="0" smtClean="0"/>
-            </a:br>
-            <a:r>
-              <a:rPr lang="en-US" sz="1200" b="0" i="0" kern="1200" dirty="0" smtClean="0">
-                <a:solidFill>
-                  <a:schemeClr val="tx1"/>
-                </a:solidFill>
-                <a:latin typeface="+mn-lt"/>
-                <a:ea typeface="+mn-ea"/>
-                <a:cs typeface="+mn-cs"/>
-              </a:rPr>
-              <a:t>Which combination of the statements describes the basis for black box techniques?</a:t>
-            </a:r>
-          </a:p>
-          <a:p>
+              <a:t>		</a:t>
+            </a:r>
+            <a:r>
+              <a:rPr lang="en-US" dirty="0" err="1" smtClean="0"/>
+              <a:t>end_if</a:t>
+            </a:r>
             <a:r>
               <a:rPr lang="en-US" dirty="0" smtClean="0"/>
-              <a:t/>
-            </a:r>
-            <a:br>
+              <a:t> </a:t>
+            </a:r>
+          </a:p>
+          <a:p>
+            <a:r>
+              <a:rPr lang="en-US" dirty="0" err="1" smtClean="0"/>
+              <a:t>end_if</a:t>
+            </a:r>
+            <a:r>
               <a:rPr lang="en-US" dirty="0" smtClean="0"/>
-            </a:br>
-            <a:r>
-              <a:rPr lang="en-US" sz="1200" b="0" i="0" kern="1200" dirty="0" smtClean="0">
-                <a:solidFill>
-                  <a:schemeClr val="tx1"/>
-                </a:solidFill>
-                <a:latin typeface="+mn-lt"/>
-                <a:ea typeface="+mn-ea"/>
-                <a:cs typeface="+mn-cs"/>
-              </a:rPr>
-              <a:t>A ii and iii.</a:t>
-            </a:r>
+              <a:t> </a:t>
+            </a:r>
+          </a:p>
+          <a:p>
+            <a:endParaRPr lang="en-US" dirty="0" smtClean="0"/>
+          </a:p>
+          <a:p>
+            <a:pPr marL="228600" indent="-228600">
+              <a:buAutoNum type="alphaUcPeriod"/>
+            </a:pPr>
             <a:r>
               <a:rPr lang="en-US" dirty="0" smtClean="0"/>
-              <a:t/>
-            </a:r>
-            <a:br>
+              <a:t>3</a:t>
+            </a:r>
+          </a:p>
+          <a:p>
+            <a:pPr marL="228600" indent="-228600">
+              <a:buAutoNum type="alphaUcPeriod"/>
+            </a:pPr>
+            <a:r>
               <a:rPr lang="en-US" dirty="0" smtClean="0"/>
-            </a:br>
-            <a:r>
-              <a:rPr lang="en-US" sz="1200" b="0" i="0" kern="1200" dirty="0" smtClean="0">
-                <a:solidFill>
-                  <a:schemeClr val="tx1"/>
-                </a:solidFill>
-                <a:latin typeface="+mn-lt"/>
-                <a:ea typeface="+mn-ea"/>
-                <a:cs typeface="+mn-cs"/>
-              </a:rPr>
-              <a:t>B ii and iv.</a:t>
-            </a:r>
+              <a:t>4 </a:t>
+            </a:r>
+          </a:p>
+          <a:p>
+            <a:pPr marL="228600" indent="-228600">
+              <a:buAutoNum type="alphaUcPeriod"/>
+            </a:pPr>
             <a:r>
               <a:rPr lang="en-US" dirty="0" smtClean="0"/>
-              <a:t/>
-            </a:r>
-            <a:br>
+              <a:t>2 </a:t>
+            </a:r>
+          </a:p>
+          <a:p>
+            <a:pPr marL="228600" indent="-228600">
+              <a:buAutoNum type="alphaUcPeriod"/>
+            </a:pPr>
+            <a:r>
               <a:rPr lang="en-US" dirty="0" smtClean="0"/>
-            </a:br>
-            <a:r>
-              <a:rPr lang="en-US" sz="1200" b="0" i="0" kern="1200" dirty="0" smtClean="0">
-                <a:solidFill>
-                  <a:schemeClr val="tx1"/>
-                </a:solidFill>
-                <a:latin typeface="+mn-lt"/>
-                <a:ea typeface="+mn-ea"/>
-                <a:cs typeface="+mn-cs"/>
-              </a:rPr>
-              <a:t>C </a:t>
-            </a:r>
-            <a:r>
-              <a:rPr lang="en-US" sz="1200" b="0" i="0" kern="1200" dirty="0" err="1" smtClean="0">
-                <a:solidFill>
-                  <a:schemeClr val="tx1"/>
-                </a:solidFill>
-                <a:latin typeface="+mn-lt"/>
-                <a:ea typeface="+mn-ea"/>
-                <a:cs typeface="+mn-cs"/>
-              </a:rPr>
-              <a:t>i</a:t>
-            </a:r>
-            <a:r>
-              <a:rPr lang="en-US" sz="1200" b="0" i="0" kern="1200" dirty="0" smtClean="0">
-                <a:solidFill>
-                  <a:schemeClr val="tx1"/>
-                </a:solidFill>
-                <a:latin typeface="+mn-lt"/>
-                <a:ea typeface="+mn-ea"/>
-                <a:cs typeface="+mn-cs"/>
-              </a:rPr>
-              <a:t> and iv.</a:t>
-            </a:r>
-            <a:r>
-              <a:rPr lang="en-US" dirty="0" smtClean="0"/>
-              <a:t/>
-            </a:r>
-            <a:br>
-              <a:rPr lang="en-US" dirty="0" smtClean="0"/>
-            </a:br>
-            <a:r>
-              <a:rPr lang="en-US" sz="1200" b="0" i="0" kern="1200" dirty="0" smtClean="0">
-                <a:solidFill>
-                  <a:schemeClr val="tx1"/>
-                </a:solidFill>
-                <a:latin typeface="+mn-lt"/>
-                <a:ea typeface="+mn-ea"/>
-                <a:cs typeface="+mn-cs"/>
-              </a:rPr>
-              <a:t>D </a:t>
-            </a:r>
-            <a:r>
-              <a:rPr lang="en-US" sz="1200" b="0" i="0" kern="1200" dirty="0" err="1" smtClean="0">
-                <a:solidFill>
-                  <a:schemeClr val="tx1"/>
-                </a:solidFill>
-                <a:latin typeface="+mn-lt"/>
-                <a:ea typeface="+mn-ea"/>
-                <a:cs typeface="+mn-cs"/>
-              </a:rPr>
-              <a:t>i</a:t>
-            </a:r>
-            <a:r>
-              <a:rPr lang="en-US" sz="1200" b="0" i="0" kern="1200" dirty="0" smtClean="0">
-                <a:solidFill>
-                  <a:schemeClr val="tx1"/>
-                </a:solidFill>
-                <a:latin typeface="+mn-lt"/>
-                <a:ea typeface="+mn-ea"/>
-                <a:cs typeface="+mn-cs"/>
-              </a:rPr>
-              <a:t> and iii.</a:t>
+              <a:t>1 </a:t>
             </a:r>
           </a:p>
           <a:p>
@@ -4060,239 +3566,129 @@
           </a:p>
           <a:p>
             <a:r>
-              <a:rPr lang="en-US" sz="1200" b="0" i="0" kern="1200" dirty="0" smtClean="0">
-                <a:solidFill>
-                  <a:schemeClr val="tx1"/>
-                </a:solidFill>
-                <a:latin typeface="+mn-lt"/>
-                <a:ea typeface="+mn-ea"/>
-                <a:cs typeface="+mn-cs"/>
-              </a:rPr>
-              <a:t>Which of following statements is true? Select ALL correct options.</a:t>
-            </a:r>
-            <a:r>
               <a:rPr lang="en-US" dirty="0" smtClean="0"/>
-              <a:t/>
-            </a:r>
-            <a:br>
+              <a:t>You have designed test cases to provide 100% statement and 100% decision coverage for the following fragment of code. </a:t>
+            </a:r>
+          </a:p>
+          <a:p>
+            <a:endParaRPr lang="en-US" dirty="0" smtClean="0"/>
+          </a:p>
+          <a:p>
+            <a:r>
               <a:rPr lang="en-US" dirty="0" smtClean="0"/>
-            </a:br>
-            <a:r>
-              <a:rPr lang="en-US" sz="1200" b="0" i="0" kern="1200" dirty="0" smtClean="0">
-                <a:solidFill>
-                  <a:schemeClr val="tx1"/>
-                </a:solidFill>
-                <a:latin typeface="+mn-lt"/>
-                <a:ea typeface="+mn-ea"/>
-                <a:cs typeface="+mn-cs"/>
-              </a:rPr>
-              <a:t>Regression testing should be performed:</a:t>
-            </a:r>
-          </a:p>
-          <a:p>
+              <a:t>if width &gt; length then </a:t>
+            </a:r>
+            <a:r>
+              <a:rPr lang="en-US" dirty="0" err="1" smtClean="0"/>
+              <a:t>biggest_dimension</a:t>
+            </a:r>
             <a:r>
               <a:rPr lang="en-US" dirty="0" smtClean="0"/>
-              <a:t/>
-            </a:r>
-            <a:br>
+              <a:t> = width </a:t>
+            </a:r>
+          </a:p>
+          <a:p>
+            <a:r>
               <a:rPr lang="en-US" dirty="0" smtClean="0"/>
-            </a:br>
-            <a:r>
-              <a:rPr lang="en-US" sz="1200" b="0" i="0" kern="1200" dirty="0" err="1" smtClean="0">
-                <a:solidFill>
-                  <a:schemeClr val="tx1"/>
-                </a:solidFill>
-                <a:latin typeface="+mn-lt"/>
-                <a:ea typeface="+mn-ea"/>
-                <a:cs typeface="+mn-cs"/>
-              </a:rPr>
-              <a:t>i</a:t>
-            </a:r>
-            <a:r>
-              <a:rPr lang="en-US" sz="1200" b="0" i="0" kern="1200" dirty="0" smtClean="0">
-                <a:solidFill>
-                  <a:schemeClr val="tx1"/>
-                </a:solidFill>
-                <a:latin typeface="+mn-lt"/>
-                <a:ea typeface="+mn-ea"/>
-                <a:cs typeface="+mn-cs"/>
-              </a:rPr>
-              <a:t> once a month</a:t>
+              <a:t>else </a:t>
+            </a:r>
+            <a:r>
+              <a:rPr lang="en-US" dirty="0" err="1" smtClean="0"/>
+              <a:t>biggest_dimension</a:t>
             </a:r>
             <a:r>
               <a:rPr lang="en-US" dirty="0" smtClean="0"/>
-              <a:t/>
-            </a:r>
-            <a:br>
+              <a:t> = length </a:t>
+            </a:r>
+          </a:p>
+          <a:p>
+            <a:r>
+              <a:rPr lang="en-US" dirty="0" err="1" smtClean="0"/>
+              <a:t>end_if</a:t>
+            </a:r>
+            <a:r>
               <a:rPr lang="en-US" dirty="0" smtClean="0"/>
-            </a:br>
-            <a:r>
-              <a:rPr lang="en-US" sz="1200" b="0" i="0" kern="1200" dirty="0" smtClean="0">
-                <a:solidFill>
-                  <a:schemeClr val="tx1"/>
-                </a:solidFill>
-                <a:latin typeface="+mn-lt"/>
-                <a:ea typeface="+mn-ea"/>
-                <a:cs typeface="+mn-cs"/>
-              </a:rPr>
-              <a:t>ii when a defect has been fixed</a:t>
-            </a:r>
+              <a:t> </a:t>
+            </a:r>
+          </a:p>
+          <a:p>
+            <a:endParaRPr lang="en-US" dirty="0" smtClean="0"/>
+          </a:p>
+          <a:p>
             <a:r>
               <a:rPr lang="en-US" dirty="0" smtClean="0"/>
-              <a:t/>
-            </a:r>
-            <a:br>
+              <a:t>The following has been added to the bottom of the code fragment above. </a:t>
+            </a:r>
+          </a:p>
+          <a:p>
+            <a:endParaRPr lang="en-US" dirty="0" smtClean="0"/>
+          </a:p>
+          <a:p>
+            <a:r>
               <a:rPr lang="en-US" dirty="0" smtClean="0"/>
-            </a:br>
-            <a:r>
-              <a:rPr lang="en-US" sz="1200" b="0" i="0" kern="1200" dirty="0" smtClean="0">
-                <a:solidFill>
-                  <a:schemeClr val="tx1"/>
-                </a:solidFill>
-                <a:latin typeface="+mn-lt"/>
-                <a:ea typeface="+mn-ea"/>
-                <a:cs typeface="+mn-cs"/>
-              </a:rPr>
-              <a:t>iii when the test environment has changed</a:t>
+              <a:t>print "Biggest dimension is " &amp; </a:t>
+            </a:r>
+            <a:r>
+              <a:rPr lang="en-US" dirty="0" err="1" smtClean="0"/>
+              <a:t>biggest_dimension</a:t>
             </a:r>
             <a:r>
               <a:rPr lang="en-US" dirty="0" smtClean="0"/>
-              <a:t/>
-            </a:r>
-            <a:br>
+              <a:t> print "Width: " &amp; width print "Length: " &amp; length </a:t>
+            </a:r>
+          </a:p>
+          <a:p>
+            <a:endParaRPr lang="en-US" dirty="0" smtClean="0"/>
+          </a:p>
+          <a:p>
+            <a:r>
               <a:rPr lang="en-US" dirty="0" smtClean="0"/>
-            </a:br>
-            <a:r>
-              <a:rPr lang="en-US" sz="1200" b="0" i="0" kern="1200" dirty="0" smtClean="0">
-                <a:solidFill>
-                  <a:schemeClr val="tx1"/>
-                </a:solidFill>
-                <a:latin typeface="+mn-lt"/>
-                <a:ea typeface="+mn-ea"/>
-                <a:cs typeface="+mn-cs"/>
-              </a:rPr>
-              <a:t>iv when the software has changed</a:t>
-            </a:r>
-          </a:p>
-          <a:p>
+              <a:t>How many more test cases are required? </a:t>
+            </a:r>
+          </a:p>
+          <a:p>
+            <a:endParaRPr lang="en-US" dirty="0" smtClean="0"/>
+          </a:p>
+          <a:p>
+            <a:pPr marL="228600" indent="-228600">
+              <a:buAutoNum type="alphaUcPeriod"/>
+            </a:pPr>
             <a:r>
               <a:rPr lang="en-US" dirty="0" smtClean="0"/>
-              <a:t/>
-            </a:r>
-            <a:br>
+              <a:t>One more test case will be required for 100 % decision coverage. </a:t>
+            </a:r>
+          </a:p>
+          <a:p>
+            <a:pPr marL="228600" indent="-228600">
+              <a:buAutoNum type="alphaUcPeriod"/>
+            </a:pPr>
+            <a:r>
               <a:rPr lang="en-US" dirty="0" smtClean="0"/>
-            </a:br>
-            <a:r>
-              <a:rPr lang="en-US" sz="1200" b="0" i="0" kern="1200" dirty="0" smtClean="0">
-                <a:solidFill>
-                  <a:schemeClr val="tx1"/>
-                </a:solidFill>
-                <a:latin typeface="+mn-lt"/>
-                <a:ea typeface="+mn-ea"/>
-                <a:cs typeface="+mn-cs"/>
-              </a:rPr>
-              <a:t>A ii and iv.</a:t>
-            </a:r>
+              <a:t>Two more test cases will be required for 100 % statement coverage, one of which will be used to provide 100% decision coverage. </a:t>
+            </a:r>
+          </a:p>
+          <a:p>
+            <a:pPr marL="228600" indent="-228600">
+              <a:buAutoNum type="alphaUcPeriod"/>
+            </a:pPr>
             <a:r>
               <a:rPr lang="en-US" dirty="0" smtClean="0"/>
-              <a:t/>
-            </a:r>
-            <a:br>
+              <a:t>None, existing test cases can be used. </a:t>
+            </a:r>
+          </a:p>
+          <a:p>
+            <a:pPr marL="228600" indent="-228600">
+              <a:buAutoNum type="alphaUcPeriod"/>
+            </a:pPr>
+            <a:r>
               <a:rPr lang="en-US" dirty="0" smtClean="0"/>
-            </a:br>
-            <a:r>
-              <a:rPr lang="en-US" sz="1200" b="0" i="0" kern="1200" dirty="0" smtClean="0">
-                <a:solidFill>
-                  <a:schemeClr val="tx1"/>
-                </a:solidFill>
-                <a:latin typeface="+mn-lt"/>
-                <a:ea typeface="+mn-ea"/>
-                <a:cs typeface="+mn-cs"/>
-              </a:rPr>
-              <a:t>B ii, iii and iv.</a:t>
-            </a:r>
-            <a:r>
-              <a:rPr lang="en-US" dirty="0" smtClean="0"/>
-              <a:t/>
-            </a:r>
-            <a:br>
-              <a:rPr lang="en-US" dirty="0" smtClean="0"/>
-            </a:br>
-            <a:r>
-              <a:rPr lang="en-US" sz="1200" b="0" i="0" kern="1200" dirty="0" smtClean="0">
-                <a:solidFill>
-                  <a:schemeClr val="tx1"/>
-                </a:solidFill>
-                <a:latin typeface="+mn-lt"/>
-                <a:ea typeface="+mn-ea"/>
-                <a:cs typeface="+mn-cs"/>
-              </a:rPr>
-              <a:t>C </a:t>
-            </a:r>
-            <a:r>
-              <a:rPr lang="en-US" sz="1200" b="0" i="0" kern="1200" dirty="0" err="1" smtClean="0">
-                <a:solidFill>
-                  <a:schemeClr val="tx1"/>
-                </a:solidFill>
-                <a:latin typeface="+mn-lt"/>
-                <a:ea typeface="+mn-ea"/>
-                <a:cs typeface="+mn-cs"/>
-              </a:rPr>
-              <a:t>i</a:t>
-            </a:r>
-            <a:r>
-              <a:rPr lang="en-US" sz="1200" b="0" i="0" kern="1200" dirty="0" smtClean="0">
-                <a:solidFill>
-                  <a:schemeClr val="tx1"/>
-                </a:solidFill>
-                <a:latin typeface="+mn-lt"/>
-                <a:ea typeface="+mn-ea"/>
-                <a:cs typeface="+mn-cs"/>
-              </a:rPr>
-              <a:t>, ii and iii.</a:t>
-            </a:r>
-            <a:r>
-              <a:rPr lang="en-US" dirty="0" smtClean="0"/>
-              <a:t/>
-            </a:r>
-            <a:br>
-              <a:rPr lang="en-US" dirty="0" smtClean="0"/>
-            </a:br>
-            <a:r>
-              <a:rPr lang="en-US" sz="1200" b="0" i="0" kern="1200" dirty="0" smtClean="0">
-                <a:solidFill>
-                  <a:schemeClr val="tx1"/>
-                </a:solidFill>
-                <a:latin typeface="+mn-lt"/>
-                <a:ea typeface="+mn-ea"/>
-                <a:cs typeface="+mn-cs"/>
-              </a:rPr>
-              <a:t>D </a:t>
-            </a:r>
-            <a:r>
-              <a:rPr lang="en-US" sz="1200" b="0" i="0" kern="1200" dirty="0" err="1" smtClean="0">
-                <a:solidFill>
-                  <a:schemeClr val="tx1"/>
-                </a:solidFill>
-                <a:latin typeface="+mn-lt"/>
-                <a:ea typeface="+mn-ea"/>
-                <a:cs typeface="+mn-cs"/>
-              </a:rPr>
-              <a:t>i</a:t>
-            </a:r>
-            <a:r>
-              <a:rPr lang="en-US" sz="1200" b="0" i="0" kern="1200" dirty="0" smtClean="0">
-                <a:solidFill>
-                  <a:schemeClr val="tx1"/>
-                </a:solidFill>
-                <a:latin typeface="+mn-lt"/>
-                <a:ea typeface="+mn-ea"/>
-                <a:cs typeface="+mn-cs"/>
-              </a:rPr>
-              <a:t> and iii.</a:t>
-            </a:r>
-          </a:p>
-          <a:p>
+              <a:t>One more test case will be required for 100" statement coverage.</a:t>
+            </a:r>
+          </a:p>
+          <a:p>
+            <a:pPr marL="228600" indent="-228600">
+              <a:buNone/>
+            </a:pPr>
             <a:endParaRPr lang="ru-RU" baseline="0" dirty="0" smtClean="0"/>
           </a:p>
           <a:p>
@@ -4350,11 +3746,327 @@
           </a:p>
           <a:p>
             <a:r>
-              <a:rPr lang="en-US" baseline="0" dirty="0" smtClean="0"/>
-              <a:t>How many eggs can be taken on an empty stomach?</a:t>
-            </a:r>
-          </a:p>
-          <a:p>
+              <a:rPr lang="en-US" dirty="0" smtClean="0"/>
+              <a:t>A thermometer measures temperature in whole degrees only. </a:t>
+            </a:r>
+          </a:p>
+          <a:p>
+            <a:r>
+              <a:rPr lang="en-US" dirty="0" smtClean="0"/>
+              <a:t>If the temperature falls below 18 degrees, the heating is switched off. </a:t>
+            </a:r>
+          </a:p>
+          <a:p>
+            <a:r>
+              <a:rPr lang="en-US" dirty="0" smtClean="0"/>
+              <a:t>It is switched on again when the temperature reaches 21 degrees. </a:t>
+            </a:r>
+          </a:p>
+          <a:p>
+            <a:endParaRPr lang="en-US" dirty="0" smtClean="0"/>
+          </a:p>
+          <a:p>
+            <a:r>
+              <a:rPr lang="en-US" dirty="0" smtClean="0"/>
+              <a:t>What are the best values in degrees to cover all equivalence partitions? </a:t>
+            </a:r>
+          </a:p>
+          <a:p>
+            <a:endParaRPr lang="en-US" dirty="0" smtClean="0"/>
+          </a:p>
+          <a:p>
+            <a:pPr marL="228600" indent="-228600">
+              <a:buAutoNum type="alphaUcPeriod"/>
+            </a:pPr>
+            <a:r>
+              <a:rPr lang="en-US" dirty="0" smtClean="0"/>
+              <a:t>15, 19 and 25. </a:t>
+            </a:r>
+          </a:p>
+          <a:p>
+            <a:pPr marL="228600" indent="-228600">
+              <a:buAutoNum type="alphaUcPeriod"/>
+            </a:pPr>
+            <a:r>
+              <a:rPr lang="en-US" dirty="0" smtClean="0"/>
+              <a:t>17, 18 and19. </a:t>
+            </a:r>
+          </a:p>
+          <a:p>
+            <a:pPr marL="228600" indent="-228600">
+              <a:buAutoNum type="alphaUcPeriod"/>
+            </a:pPr>
+            <a:r>
+              <a:rPr lang="en-US" dirty="0" smtClean="0"/>
+              <a:t>18, 20 and22. </a:t>
+            </a:r>
+          </a:p>
+          <a:p>
+            <a:pPr marL="228600" indent="-228600">
+              <a:buAutoNum type="alphaUcPeriod"/>
+            </a:pPr>
+            <a:r>
+              <a:rPr lang="en-US" dirty="0" smtClean="0"/>
+              <a:t>16, 26 and 32. </a:t>
+            </a:r>
+          </a:p>
+          <a:p>
+            <a:pPr marL="228600" indent="-228600">
+              <a:buAutoNum type="alphaUcPeriod"/>
+            </a:pPr>
+            <a:endParaRPr lang="en-US" dirty="0" smtClean="0"/>
+          </a:p>
+          <a:p>
+            <a:pPr marL="228600" marR="0" indent="-228600" algn="l" defTabSz="914400" rtl="0" eaLnBrk="1" fontAlgn="auto" latinLnBrk="0" hangingPunct="1">
+              <a:lnSpc>
+                <a:spcPct val="100000"/>
+              </a:lnSpc>
+              <a:spcBef>
+                <a:spcPts val="0"/>
+              </a:spcBef>
+              <a:spcAft>
+                <a:spcPts val="0"/>
+              </a:spcAft>
+              <a:buClrTx/>
+              <a:buSzTx/>
+              <a:buFontTx/>
+              <a:buNone/>
+              <a:tabLst/>
+              <a:defRPr/>
+            </a:pPr>
+            <a:r>
+              <a:rPr lang="en-US" sz="1200" b="0" i="0" kern="1200" dirty="0" smtClean="0">
+                <a:solidFill>
+                  <a:schemeClr val="tx1"/>
+                </a:solidFill>
+                <a:latin typeface="+mn-lt"/>
+                <a:ea typeface="+mn-ea"/>
+                <a:cs typeface="+mn-cs"/>
+              </a:rPr>
+              <a:t>-----------------------------------------------------------------------------------------------------------</a:t>
+            </a:r>
+          </a:p>
+          <a:p>
+            <a:pPr marL="228600" indent="-228600">
+              <a:buNone/>
+            </a:pPr>
+            <a:endParaRPr lang="en-US" dirty="0" smtClean="0"/>
+          </a:p>
+          <a:p>
+            <a:pPr marL="228600" marR="0" indent="-228600" algn="l" defTabSz="914400" rtl="0" eaLnBrk="1" fontAlgn="auto" latinLnBrk="0" hangingPunct="1">
+              <a:lnSpc>
+                <a:spcPct val="100000"/>
+              </a:lnSpc>
+              <a:spcBef>
+                <a:spcPts val="0"/>
+              </a:spcBef>
+              <a:spcAft>
+                <a:spcPts val="0"/>
+              </a:spcAft>
+              <a:buClrTx/>
+              <a:buSzTx/>
+              <a:buFontTx/>
+              <a:buNone/>
+              <a:tabLst/>
+              <a:defRPr/>
+            </a:pPr>
+            <a:r>
+              <a:rPr lang="en-US" dirty="0" smtClean="0"/>
+              <a:t>Question 6</a:t>
+            </a:r>
+            <a:endParaRPr lang="ru-RU" dirty="0" smtClean="0"/>
+          </a:p>
+          <a:p>
+            <a:pPr marL="228600" indent="-228600">
+              <a:buNone/>
+            </a:pPr>
+            <a:endParaRPr lang="en-US" dirty="0" smtClean="0"/>
+          </a:p>
+          <a:p>
+            <a:pPr marL="228600" indent="-228600">
+              <a:buNone/>
+            </a:pPr>
+            <a:r>
+              <a:rPr lang="en-US" dirty="0" smtClean="0"/>
+              <a:t>Which of the following is TRUE? </a:t>
+            </a:r>
+          </a:p>
+          <a:p>
+            <a:pPr marL="228600" indent="-228600">
+              <a:buNone/>
+            </a:pPr>
+            <a:endParaRPr lang="en-US" dirty="0" smtClean="0"/>
+          </a:p>
+          <a:p>
+            <a:pPr marL="228600" indent="-228600">
+              <a:buAutoNum type="alphaUcPeriod"/>
+            </a:pPr>
+            <a:r>
+              <a:rPr lang="en-US" dirty="0" smtClean="0"/>
+              <a:t>Confirmation testing is testing fixes to a set of defects and Regression testing is testing to establish whether any defects have been introduced as a result of changes. </a:t>
+            </a:r>
+          </a:p>
+          <a:p>
+            <a:pPr marL="228600" indent="-228600">
+              <a:buAutoNum type="alphaUcPeriod"/>
+            </a:pPr>
+            <a:r>
+              <a:rPr lang="en-US" dirty="0" smtClean="0"/>
+              <a:t>Confirmation testing is testing to establish whether any defects have been introduced as a result of changes and Regression testing is testing fixes to a set of defects. </a:t>
+            </a:r>
+          </a:p>
+          <a:p>
+            <a:pPr marL="228600" indent="-228600">
+              <a:buAutoNum type="alphaUcPeriod"/>
+            </a:pPr>
+            <a:r>
+              <a:rPr lang="en-US" dirty="0" smtClean="0"/>
+              <a:t>Confirmation testing and Regression testing are both testing to establish whether any defects have been introduced as a result of changes. </a:t>
+            </a:r>
+          </a:p>
+          <a:p>
+            <a:pPr marL="228600" indent="-228600">
+              <a:buAutoNum type="alphaUcPeriod"/>
+            </a:pPr>
+            <a:r>
+              <a:rPr lang="en-US" dirty="0" smtClean="0"/>
+              <a:t>Confirmation testing and Regression testing are both testing fixes to a set of defects.</a:t>
+            </a:r>
+          </a:p>
+          <a:p>
+            <a:pPr marL="228600" indent="-228600">
+              <a:buNone/>
+            </a:pPr>
+            <a:endParaRPr lang="en-US" dirty="0" smtClean="0"/>
+          </a:p>
+          <a:p>
+            <a:pPr marL="228600" marR="0" indent="-228600" algn="l" defTabSz="914400" rtl="0" eaLnBrk="1" fontAlgn="auto" latinLnBrk="0" hangingPunct="1">
+              <a:lnSpc>
+                <a:spcPct val="100000"/>
+              </a:lnSpc>
+              <a:spcBef>
+                <a:spcPts val="0"/>
+              </a:spcBef>
+              <a:spcAft>
+                <a:spcPts val="0"/>
+              </a:spcAft>
+              <a:buClrTx/>
+              <a:buSzTx/>
+              <a:buFontTx/>
+              <a:buNone/>
+              <a:tabLst/>
+              <a:defRPr/>
+            </a:pPr>
+            <a:r>
+              <a:rPr lang="en-US" sz="1200" b="0" i="0" kern="1200" dirty="0" smtClean="0">
+                <a:solidFill>
+                  <a:schemeClr val="tx1"/>
+                </a:solidFill>
+                <a:latin typeface="+mn-lt"/>
+                <a:ea typeface="+mn-ea"/>
+                <a:cs typeface="+mn-cs"/>
+              </a:rPr>
+              <a:t>-----------------------------------------------------------------------------------------------------------</a:t>
+            </a:r>
+          </a:p>
+          <a:p>
+            <a:pPr marL="228600" indent="-228600">
+              <a:buNone/>
+            </a:pPr>
+            <a:endParaRPr lang="en-US" dirty="0" smtClean="0"/>
+          </a:p>
+          <a:p>
+            <a:pPr marL="228600" marR="0" indent="-228600" algn="l" defTabSz="914400" rtl="0" eaLnBrk="1" fontAlgn="auto" latinLnBrk="0" hangingPunct="1">
+              <a:lnSpc>
+                <a:spcPct val="100000"/>
+              </a:lnSpc>
+              <a:spcBef>
+                <a:spcPts val="0"/>
+              </a:spcBef>
+              <a:spcAft>
+                <a:spcPts val="0"/>
+              </a:spcAft>
+              <a:buClrTx/>
+              <a:buSzTx/>
+              <a:buFontTx/>
+              <a:buNone/>
+              <a:tabLst/>
+              <a:defRPr/>
+            </a:pPr>
+            <a:r>
+              <a:rPr lang="en-US" dirty="0" smtClean="0"/>
+              <a:t>Question 7</a:t>
+            </a:r>
+            <a:endParaRPr lang="ru-RU" dirty="0" smtClean="0"/>
+          </a:p>
+          <a:p>
+            <a:pPr marL="228600" indent="-228600">
+              <a:buNone/>
+            </a:pPr>
+            <a:endParaRPr lang="en-US" dirty="0" smtClean="0"/>
+          </a:p>
+          <a:p>
+            <a:pPr marL="228600" indent="-228600">
+              <a:buNone/>
+            </a:pPr>
+            <a:r>
+              <a:rPr lang="en-US" dirty="0" smtClean="0"/>
+              <a:t>Which of the following is MOST characteristic of specification based (black-box) techniques? </a:t>
+            </a:r>
+          </a:p>
+          <a:p>
+            <a:pPr marL="228600" indent="-228600">
+              <a:buNone/>
+            </a:pPr>
+            <a:endParaRPr lang="en-US" dirty="0" smtClean="0"/>
+          </a:p>
+          <a:p>
+            <a:pPr marL="228600" indent="-228600">
+              <a:buAutoNum type="alphaUcPeriod"/>
+            </a:pPr>
+            <a:r>
+              <a:rPr lang="en-US" dirty="0" smtClean="0"/>
+              <a:t>Test cases can be easily automated. </a:t>
+            </a:r>
+          </a:p>
+          <a:p>
+            <a:pPr marL="228600" indent="-228600">
+              <a:buAutoNum type="alphaUcPeriod"/>
+            </a:pPr>
+            <a:r>
+              <a:rPr lang="en-US" dirty="0" smtClean="0"/>
+              <a:t>Test cases are independent of each other. </a:t>
+            </a:r>
+          </a:p>
+          <a:p>
+            <a:pPr marL="228600" indent="-228600">
+              <a:buAutoNum type="alphaUcPeriod"/>
+            </a:pPr>
+            <a:r>
+              <a:rPr lang="en-US" dirty="0" smtClean="0"/>
+              <a:t>Test cases are derived systematically from models of the system. </a:t>
+            </a:r>
+          </a:p>
+          <a:p>
+            <a:pPr marL="228600" indent="-228600">
+              <a:buAutoNum type="alphaUcPeriod"/>
+            </a:pPr>
+            <a:r>
+              <a:rPr lang="en-US" dirty="0" smtClean="0"/>
+              <a:t>Test cases are derived systematically from the delivered code. </a:t>
+            </a:r>
+            <a:endParaRPr lang="en-US" dirty="0" smtClean="0"/>
+          </a:p>
+          <a:p>
+            <a:pPr marL="228600" indent="-228600">
+              <a:buNone/>
+            </a:pPr>
+            <a:endParaRPr lang="en-US" dirty="0" smtClean="0"/>
+          </a:p>
+          <a:p>
+            <a:pPr marL="228600" indent="-228600">
+              <a:buNone/>
+            </a:pPr>
             <a:endParaRPr lang="ru-RU" dirty="0"/>
           </a:p>
         </p:txBody>
@@ -10098,43 +9810,6 @@
       </p:sp>
       <p:sp>
         <p:nvSpPr>
-          <p:cNvPr id="2" name="Rectangle 1"/>
-          <p:cNvSpPr/>
-          <p:nvPr/>
-        </p:nvSpPr>
-        <p:spPr>
-          <a:xfrm>
-            <a:off x="683568" y="3923764"/>
-            <a:ext cx="6336704" cy="369332"/>
-          </a:xfrm>
-          <a:prstGeom prst="rect">
-            <a:avLst/>
-          </a:prstGeom>
-        </p:spPr>
-        <p:txBody>
-          <a:bodyPr wrap="square">
-            <a:spAutoFit/>
-          </a:bodyPr>
-          <a:lstStyle/>
-          <a:p>
-            <a:r>
-              <a:rPr lang="en-US" b="1" dirty="0" smtClean="0"/>
-              <a:t>Describe and perform smoke tests for the </a:t>
-            </a:r>
-            <a:r>
-              <a:rPr lang="en-US" b="1" dirty="0" err="1" smtClean="0"/>
-              <a:t>ListBoxer</a:t>
-            </a:r>
-            <a:r>
-              <a:rPr lang="en-US" b="1" smtClean="0"/>
-              <a:t> program</a:t>
-            </a:r>
-            <a:endParaRPr lang="en-US" b="1" dirty="0"/>
-          </a:p>
-        </p:txBody>
-      </p:sp>
-      <p:sp>
-        <p:nvSpPr>
           <p:cNvPr id="6" name="Rectangle 5"/>
           <p:cNvSpPr/>
           <p:nvPr/>
@@ -10220,23 +9895,15 @@
           <a:p>
             <a:r>
               <a:rPr lang="en-US" i="1" dirty="0" smtClean="0"/>
-              <a:t>Answers on the 2</a:t>
-            </a:r>
-            <a:r>
-              <a:rPr lang="en-US" i="1" baseline="30000" dirty="0" smtClean="0"/>
-              <a:t>nd</a:t>
+              <a:t>Answers on the </a:t>
             </a:r>
             <a:r>
               <a:rPr lang="en-US" i="1" dirty="0" smtClean="0"/>
-              <a:t> and 3</a:t>
-            </a:r>
-            <a:r>
-              <a:rPr lang="en-US" i="1" baseline="30000" dirty="0" smtClean="0"/>
-              <a:t>rd</a:t>
+              <a:t>test questions </a:t>
             </a:r>
             <a:r>
               <a:rPr lang="en-US" i="1" dirty="0" smtClean="0"/>
-              <a:t>  questions send to </a:t>
+              <a:t>send to </a:t>
             </a:r>
             <a:r>
               <a:rPr lang="en-US" i="1" dirty="0" smtClean="0">
@@ -10478,7 +10145,7 @@
                                           </p:stCondLst>
                                         </p:cTn>
                                         <p:tgtEl>
-                                          <p:spTgt spid="2"/>
+                                          <p:spTgt spid="9"/>
                                         </p:tgtEl>
                                         <p:attrNameLst>
                                           <p:attrName>style.visibility</p:attrName>
@@ -10491,97 +10158,6 @@
                                     <p:anim calcmode="lin" valueType="num">
                                       <p:cBhvr additive="base">
                                         <p:cTn id="19" dur="500" fill="hold"/>
-                                        <p:tgtEl>
-                                          <p:spTgt spid="2"/>
-                                        </p:tgtEl>
-                                        <p:attrNameLst>
-                                          <p:attrName>ppt_x</p:attrName>
-                                        </p:attrNameLst>
-                                      </p:cBhvr>
-                                      <p:tavLst>
-                                        <p:tav tm="0">
-                                          <p:val>
-                                            <p:strVal val="#ppt_x"/>
-                                          </p:val>
-                                        </p:tav>
-                                        <p:tav tm="100000">
-                                          <p:val>
-                                            <p:strVal val="#ppt_x"/>
-                                          </p:val>
-                                        </p:tav>
-                                      </p:tavLst>
-                                    </p:anim>
-                                    <p:anim calcmode="lin" valueType="num">
-                                      <p:cBhvr additive="base">
-                                        <p:cTn id="20" dur="500" fill="hold"/>
-                                        <p:tgtEl>
-                                          <p:spTgt spid="2"/>
-                                        </p:tgtEl>
-                                        <p:attrNameLst>
-                                          <p:attrName>ppt_y</p:attrName>
-                                        </p:attrNameLst>
-                                      </p:cBhvr>
-                                      <p:tavLst>
-                                        <p:tav tm="0">
-                                          <p:val>
-                                            <p:strVal val="1+#ppt_h/2"/>
-                                          </p:val>
-                                        </p:tav>
-                                        <p:tav tm="100000">
-                                          <p:val>
-                                            <p:strVal val="#ppt_y"/>
-                                          </p:val>
-                                        </p:tav>
-                                      </p:tavLst>
-                                    </p:anim>
-                                  </p:childTnLst>
-                                </p:cTn>
-                              </p:par>
-                            </p:childTnLst>
-                          </p:cTn>
-                        </p:par>
-                      </p:childTnLst>
-                    </p:cTn>
-                  </p:par>
-                  <p:par>
-                    <p:cTn id="21" fill="hold">
-                      <p:stCondLst>
-                        <p:cond delay="indefinite"/>
-                      </p:stCondLst>
-                      <p:childTnLst>
-                        <p:par>
-                          <p:cTn id="22" fill="hold">
-                            <p:stCondLst>
-                              <p:cond delay="0"/>
-                            </p:stCondLst>
-                            <p:childTnLst>
-                              <p:par>
-                                <p:cTn id="23" presetID="2" presetClass="entr" presetSubtype="4" fill="hold" grpId="0" nodeType="clickEffect">
-                                  <p:stCondLst>
-                                    <p:cond delay="0"/>
-                                  </p:stCondLst>
-                                  <p:childTnLst>
-                                    <p:set>
-                                      <p:cBhvr>
-                                        <p:cTn id="24" dur="1" fill="hold">
-                                          <p:stCondLst>
-                                            <p:cond delay="0"/>
-                                          </p:stCondLst>
-                                        </p:cTn>
-                                        <p:tgtEl>
-                                          <p:spTgt spid="9"/>
-                                        </p:tgtEl>
-                                        <p:attrNameLst>
-                                          <p:attrName>style.visibility</p:attrName>
-                                        </p:attrNameLst>
-                                      </p:cBhvr>
-                                      <p:to>
-                                        <p:strVal val="visible"/>
-                                      </p:to>
-                                    </p:set>
-                                    <p:anim calcmode="lin" valueType="num">
-                                      <p:cBhvr additive="base">
-                                        <p:cTn id="25" dur="500" fill="hold"/>
                                         <p:tgtEl>
                                           <p:spTgt spid="9"/>
                                         </p:tgtEl>
@@ -10604,7 +10180,7 @@
                                     </p:anim>
                                     <p:anim calcmode="lin" valueType="num">
                                       <p:cBhvr additive="base">
-                                        <p:cTn id="26" dur="500" fill="hold"/>
+                                        <p:cTn id="20" dur="500" fill="hold"/>
                                         <p:tgtEl>
                                           <p:spTgt spid="9"/>
                                         </p:tgtEl>
@@ -10656,7 +10232,6 @@
       </p:par>
     </p:tnLst>
     <p:bldLst>
-      <p:bldP spid="2" grpId="0"/>
       <p:bldP spid="6" grpId="0"/>
       <p:bldP spid="8" grpId="0"/>
       <p:bldP spid="9" grpId="0"/>

--- a/inna/Занятие6/Занятие 6.pptx
+++ b/inna/Занятие6/Занятие 6.pptx
@@ -125,7 +125,7 @@
   </p:defaultTextStyle>
   <p:extLst>
     <p:ext uri="{EFAFB233-063F-42B5-8137-9DF3F51BA10A}">
-      <p15:sldGuideLst xmlns="" xmlns:p15="http://schemas.microsoft.com/office/powerpoint/2012/main">
+      <p15:sldGuideLst xmlns:p15="http://schemas.microsoft.com/office/powerpoint/2012/main" xmlns="">
         <p15:guide id="1" orient="horz" pos="2160">
           <p15:clr>
             <a:srgbClr val="A4A3A4"/>
@@ -225,7 +225,7 @@
             <a:fld id="{7FCDCAFE-ED6D-40DE-BB2A-6C2FAE0E1B23}" type="datetimeFigureOut">
               <a:rPr lang="en-US" smtClean="0"/>
               <a:pPr/>
-              <a:t>29-Jan-15</a:t>
+              <a:t>02-Feb-15</a:t>
             </a:fld>
             <a:endParaRPr lang="en-US"/>
           </a:p>
@@ -394,7 +394,7 @@
     </p:spTree>
     <p:extLst>
       <p:ext uri="{BB962C8B-B14F-4D97-AF65-F5344CB8AC3E}">
-        <p14:creationId xmlns="" xmlns:p14="http://schemas.microsoft.com/office/powerpoint/2010/main" val="616035265"/>
+        <p14:creationId xmlns:p14="http://schemas.microsoft.com/office/powerpoint/2010/main" xmlns="" val="616035265"/>
       </p:ext>
     </p:extLst>
   </p:cSld>
@@ -3141,14 +3141,6 @@
               </a:rPr>
               <a:t>6</a:t>
             </a:r>
-            <a:endParaRPr lang="ru-RU" sz="1200" b="0" i="0" kern="1200" dirty="0" smtClean="0">
-              <a:solidFill>
-                <a:schemeClr val="tx1"/>
-              </a:solidFill>
-              <a:latin typeface="+mn-lt"/>
-              <a:ea typeface="+mn-ea"/>
-              <a:cs typeface="+mn-cs"/>
-            </a:endParaRPr>
           </a:p>
           <a:p>
             <a:endParaRPr lang="ru-RU" sz="1200" b="0" i="0" kern="1200" dirty="0" smtClean="0">
@@ -4055,7 +4047,6 @@
               <a:rPr lang="en-US" dirty="0" smtClean="0"/>
               <a:t>Test cases are derived systematically from the delivered code. </a:t>
             </a:r>
-            <a:endParaRPr lang="en-US" dirty="0" smtClean="0"/>
           </a:p>
           <a:p>
             <a:pPr marL="228600" indent="-228600">
@@ -5161,7 +5152,7 @@
             <a:fld id="{1D8BD707-D9CF-40AE-B4C6-C98DA3205C09}" type="datetimeFigureOut">
               <a:rPr lang="en-US" smtClean="0"/>
               <a:pPr/>
-              <a:t>29-Jan-15</a:t>
+              <a:t>02-Feb-15</a:t>
             </a:fld>
             <a:endParaRPr lang="en-US"/>
           </a:p>
@@ -5328,7 +5319,7 @@
             <a:fld id="{1D8BD707-D9CF-40AE-B4C6-C98DA3205C09}" type="datetimeFigureOut">
               <a:rPr lang="en-US" smtClean="0"/>
               <a:pPr/>
-              <a:t>29-Jan-15</a:t>
+              <a:t>02-Feb-15</a:t>
             </a:fld>
             <a:endParaRPr lang="en-US"/>
           </a:p>
@@ -5505,7 +5496,7 @@
             <a:fld id="{1D8BD707-D9CF-40AE-B4C6-C98DA3205C09}" type="datetimeFigureOut">
               <a:rPr lang="en-US" smtClean="0"/>
               <a:pPr/>
-              <a:t>29-Jan-15</a:t>
+              <a:t>02-Feb-15</a:t>
             </a:fld>
             <a:endParaRPr lang="en-US"/>
           </a:p>
@@ -5672,7 +5663,7 @@
             <a:fld id="{1D8BD707-D9CF-40AE-B4C6-C98DA3205C09}" type="datetimeFigureOut">
               <a:rPr lang="en-US" smtClean="0"/>
               <a:pPr/>
-              <a:t>29-Jan-15</a:t>
+              <a:t>02-Feb-15</a:t>
             </a:fld>
             <a:endParaRPr lang="en-US"/>
           </a:p>
@@ -5915,7 +5906,7 @@
             <a:fld id="{1D8BD707-D9CF-40AE-B4C6-C98DA3205C09}" type="datetimeFigureOut">
               <a:rPr lang="en-US" smtClean="0"/>
               <a:pPr/>
-              <a:t>29-Jan-15</a:t>
+              <a:t>02-Feb-15</a:t>
             </a:fld>
             <a:endParaRPr lang="en-US"/>
           </a:p>
@@ -6200,7 +6191,7 @@
             <a:fld id="{1D8BD707-D9CF-40AE-B4C6-C98DA3205C09}" type="datetimeFigureOut">
               <a:rPr lang="en-US" smtClean="0"/>
               <a:pPr/>
-              <a:t>29-Jan-15</a:t>
+              <a:t>02-Feb-15</a:t>
             </a:fld>
             <a:endParaRPr lang="en-US"/>
           </a:p>
@@ -6619,7 +6610,7 @@
             <a:fld id="{1D8BD707-D9CF-40AE-B4C6-C98DA3205C09}" type="datetimeFigureOut">
               <a:rPr lang="en-US" smtClean="0"/>
               <a:pPr/>
-              <a:t>29-Jan-15</a:t>
+              <a:t>02-Feb-15</a:t>
             </a:fld>
             <a:endParaRPr lang="en-US"/>
           </a:p>
@@ -6734,7 +6725,7 @@
             <a:fld id="{1D8BD707-D9CF-40AE-B4C6-C98DA3205C09}" type="datetimeFigureOut">
               <a:rPr lang="en-US" smtClean="0"/>
               <a:pPr/>
-              <a:t>29-Jan-15</a:t>
+              <a:t>02-Feb-15</a:t>
             </a:fld>
             <a:endParaRPr lang="en-US"/>
           </a:p>
@@ -6826,7 +6817,7 @@
             <a:fld id="{1D8BD707-D9CF-40AE-B4C6-C98DA3205C09}" type="datetimeFigureOut">
               <a:rPr lang="en-US" smtClean="0"/>
               <a:pPr/>
-              <a:t>29-Jan-15</a:t>
+              <a:t>02-Feb-15</a:t>
             </a:fld>
             <a:endParaRPr lang="en-US"/>
           </a:p>
@@ -7100,7 +7091,7 @@
             <a:fld id="{1D8BD707-D9CF-40AE-B4C6-C98DA3205C09}" type="datetimeFigureOut">
               <a:rPr lang="en-US" smtClean="0"/>
               <a:pPr/>
-              <a:t>29-Jan-15</a:t>
+              <a:t>02-Feb-15</a:t>
             </a:fld>
             <a:endParaRPr lang="en-US"/>
           </a:p>
@@ -7350,7 +7341,7 @@
             <a:fld id="{1D8BD707-D9CF-40AE-B4C6-C98DA3205C09}" type="datetimeFigureOut">
               <a:rPr lang="en-US" smtClean="0"/>
               <a:pPr/>
-              <a:t>29-Jan-15</a:t>
+              <a:t>02-Feb-15</a:t>
             </a:fld>
             <a:endParaRPr lang="en-US"/>
           </a:p>
@@ -7569,7 +7560,7 @@
             <a:fld id="{1D8BD707-D9CF-40AE-B4C6-C98DA3205C09}" type="datetimeFigureOut">
               <a:rPr lang="en-US" smtClean="0"/>
               <a:pPr/>
-              <a:t>29-Jan-15</a:t>
+              <a:t>02-Feb-15</a:t>
             </a:fld>
             <a:endParaRPr lang="en-US"/>
           </a:p>
@@ -8037,8 +8028,11 @@
                   </a:outerShdw>
                 </a:effectLst>
               </a:rPr>
-              <a:t>Graphical Control </a:t>
-            </a:r>
+              <a:t>Graphical Control Elements</a:t>
+            </a:r>
+          </a:p>
+          <a:p>
+            <a:pPr algn="r"/>
             <a:r>
               <a:rPr lang="en-US" sz="3500" dirty="0" smtClean="0">
                 <a:solidFill>
@@ -8055,82 +8049,7 @@
                   </a:outerShdw>
                 </a:effectLst>
               </a:rPr>
-              <a:t>E</a:t>
-            </a:r>
-            <a:r>
-              <a:rPr lang="en-US" sz="3500" dirty="0" smtClean="0">
-                <a:solidFill>
-                  <a:schemeClr val="tx1">
-                    <a:lumMod val="65000"/>
-                    <a:lumOff val="35000"/>
-                  </a:schemeClr>
-                </a:solidFill>
-                <a:effectLst>
-                  <a:outerShdw blurRad="38100" dist="38100" dir="2700000" algn="tl">
-                    <a:srgbClr val="000000">
-                      <a:alpha val="43137"/>
-                    </a:srgbClr>
-                  </a:outerShdw>
-                </a:effectLst>
-              </a:rPr>
-              <a:t>lements</a:t>
-            </a:r>
-          </a:p>
-          <a:p>
-            <a:pPr algn="r"/>
-            <a:r>
-              <a:rPr lang="en-US" sz="3500" dirty="0" smtClean="0">
-                <a:solidFill>
-                  <a:schemeClr val="tx1">
-                    <a:lumMod val="65000"/>
-                    <a:lumOff val="35000"/>
-                  </a:schemeClr>
-                </a:solidFill>
-                <a:effectLst>
-                  <a:outerShdw blurRad="38100" dist="38100" dir="2700000" algn="tl">
-                    <a:srgbClr val="000000">
-                      <a:alpha val="43137"/>
-                    </a:srgbClr>
-                  </a:outerShdw>
-                </a:effectLst>
-              </a:rPr>
-              <a:t>S</a:t>
-            </a:r>
-            <a:r>
-              <a:rPr lang="en-US" sz="3500" dirty="0" smtClean="0">
-                <a:solidFill>
-                  <a:schemeClr val="tx1">
-                    <a:lumMod val="65000"/>
-                    <a:lumOff val="35000"/>
-                  </a:schemeClr>
-                </a:solidFill>
-                <a:effectLst>
-                  <a:outerShdw blurRad="38100" dist="38100" dir="2700000" algn="tl">
-                    <a:srgbClr val="000000">
-                      <a:alpha val="43137"/>
-                    </a:srgbClr>
-                  </a:outerShdw>
-                </a:effectLst>
-              </a:rPr>
-              <a:t>oftware</a:t>
-            </a:r>
-            <a:r>
-              <a:rPr lang="en-US" sz="3500" dirty="0" smtClean="0">
-                <a:solidFill>
-                  <a:schemeClr val="tx1">
-                    <a:lumMod val="65000"/>
-                    <a:lumOff val="35000"/>
-                  </a:schemeClr>
-                </a:solidFill>
-                <a:effectLst>
-                  <a:outerShdw blurRad="38100" dist="38100" dir="2700000" algn="tl">
-                    <a:srgbClr val="000000">
-                      <a:alpha val="43137"/>
-                    </a:srgbClr>
-                  </a:outerShdw>
-                </a:effectLst>
-              </a:rPr>
-              <a:t> Versioning</a:t>
+              <a:t>Software Versioning</a:t>
             </a:r>
           </a:p>
           <a:p>
@@ -8174,7 +8093,7 @@
     </p:spTree>
     <p:extLst>
       <p:ext uri="{BB962C8B-B14F-4D97-AF65-F5344CB8AC3E}">
-        <p14:creationId xmlns="" xmlns:p14="http://schemas.microsoft.com/office/powerpoint/2010/main" val="1766645597"/>
+        <p14:creationId xmlns:p14="http://schemas.microsoft.com/office/powerpoint/2010/main" xmlns="" val="1766645597"/>
       </p:ext>
     </p:extLst>
   </p:cSld>
@@ -8359,7 +8278,7 @@
     </p:spTree>
     <p:extLst>
       <p:ext uri="{BB962C8B-B14F-4D97-AF65-F5344CB8AC3E}">
-        <p14:creationId xmlns="" xmlns:p14="http://schemas.microsoft.com/office/powerpoint/2010/main" val="4060775951"/>
+        <p14:creationId xmlns:p14="http://schemas.microsoft.com/office/powerpoint/2010/main" xmlns="" val="4060775951"/>
       </p:ext>
     </p:extLst>
   </p:cSld>
@@ -8367,7 +8286,7 @@
     <a:masterClrMapping/>
   </p:clrMapOvr>
   <mc:AlternateContent xmlns:mc="http://schemas.openxmlformats.org/markup-compatibility/2006">
-    <mc:Choice xmlns="" xmlns:p14="http://schemas.microsoft.com/office/powerpoint/2010/main" Requires="p14">
+    <mc:Choice xmlns:p14="http://schemas.microsoft.com/office/powerpoint/2010/main" xmlns="" Requires="p14">
       <p:transition spd="slow" p14:dur="2000"/>
     </mc:Choice>
     <mc:Fallback>
@@ -8498,7 +8417,6 @@
               <a:rPr lang="en-US" b="1" u="sng" dirty="0" smtClean="0"/>
               <a:t>Tab</a:t>
             </a:r>
-            <a:endParaRPr lang="en-US" b="1" u="sng" dirty="0" smtClean="0"/>
           </a:p>
         </p:txBody>
       </p:sp>
@@ -8553,7 +8471,7 @@
     </p:spTree>
     <p:extLst>
       <p:ext uri="{BB962C8B-B14F-4D97-AF65-F5344CB8AC3E}">
-        <p14:creationId xmlns="" xmlns:p14="http://schemas.microsoft.com/office/powerpoint/2010/main" val="4060775951"/>
+        <p14:creationId xmlns:p14="http://schemas.microsoft.com/office/powerpoint/2010/main" xmlns="" val="4060775951"/>
       </p:ext>
     </p:extLst>
   </p:cSld>
@@ -8561,7 +8479,7 @@
     <a:masterClrMapping/>
   </p:clrMapOvr>
   <mc:AlternateContent xmlns:mc="http://schemas.openxmlformats.org/markup-compatibility/2006">
-    <mc:Choice xmlns="" xmlns:p14="http://schemas.microsoft.com/office/powerpoint/2010/main" Requires="p14">
+    <mc:Choice xmlns:p14="http://schemas.microsoft.com/office/powerpoint/2010/main" xmlns="" Requires="p14">
       <p:transition spd="slow" p14:dur="2000"/>
     </mc:Choice>
     <mc:Fallback>
@@ -8692,7 +8610,6 @@
               <a:rPr lang="en-US" b="1" u="sng" dirty="0" smtClean="0"/>
               <a:t>Scrollbar</a:t>
             </a:r>
-            <a:endParaRPr lang="en-US" b="1" u="sng" dirty="0" smtClean="0"/>
           </a:p>
         </p:txBody>
       </p:sp>
@@ -8747,7 +8664,7 @@
     </p:spTree>
     <p:extLst>
       <p:ext uri="{BB962C8B-B14F-4D97-AF65-F5344CB8AC3E}">
-        <p14:creationId xmlns="" xmlns:p14="http://schemas.microsoft.com/office/powerpoint/2010/main" val="4060775951"/>
+        <p14:creationId xmlns:p14="http://schemas.microsoft.com/office/powerpoint/2010/main" xmlns="" val="4060775951"/>
       </p:ext>
     </p:extLst>
   </p:cSld>
@@ -8755,7 +8672,7 @@
     <a:masterClrMapping/>
   </p:clrMapOvr>
   <mc:AlternateContent xmlns:mc="http://schemas.openxmlformats.org/markup-compatibility/2006">
-    <mc:Choice xmlns="" xmlns:p14="http://schemas.microsoft.com/office/powerpoint/2010/main" Requires="p14">
+    <mc:Choice xmlns:p14="http://schemas.microsoft.com/office/powerpoint/2010/main" xmlns="" Requires="p14">
       <p:transition spd="slow" p14:dur="2000"/>
     </mc:Choice>
     <mc:Fallback>
@@ -8940,7 +8857,7 @@
     </p:spTree>
     <p:extLst>
       <p:ext uri="{BB962C8B-B14F-4D97-AF65-F5344CB8AC3E}">
-        <p14:creationId xmlns="" xmlns:p14="http://schemas.microsoft.com/office/powerpoint/2010/main" val="4060775951"/>
+        <p14:creationId xmlns:p14="http://schemas.microsoft.com/office/powerpoint/2010/main" xmlns="" val="4060775951"/>
       </p:ext>
     </p:extLst>
   </p:cSld>
@@ -8948,7 +8865,7 @@
     <a:masterClrMapping/>
   </p:clrMapOvr>
   <mc:AlternateContent xmlns:mc="http://schemas.openxmlformats.org/markup-compatibility/2006">
-    <mc:Choice xmlns="" xmlns:p14="http://schemas.microsoft.com/office/powerpoint/2010/main" Requires="p14">
+    <mc:Choice xmlns:p14="http://schemas.microsoft.com/office/powerpoint/2010/main" xmlns="" Requires="p14">
       <p:transition spd="slow" p14:dur="2000"/>
     </mc:Choice>
     <mc:Fallback>
@@ -9079,7 +8996,6 @@
               <a:rPr lang="en-US" b="1" u="sng" dirty="0" smtClean="0"/>
               <a:t>Wizard</a:t>
             </a:r>
-            <a:endParaRPr lang="en-US" b="1" u="sng" dirty="0" smtClean="0"/>
           </a:p>
         </p:txBody>
       </p:sp>
@@ -9134,7 +9050,7 @@
     </p:spTree>
     <p:extLst>
       <p:ext uri="{BB962C8B-B14F-4D97-AF65-F5344CB8AC3E}">
-        <p14:creationId xmlns="" xmlns:p14="http://schemas.microsoft.com/office/powerpoint/2010/main" val="4060775951"/>
+        <p14:creationId xmlns:p14="http://schemas.microsoft.com/office/powerpoint/2010/main" xmlns="" val="4060775951"/>
       </p:ext>
     </p:extLst>
   </p:cSld>
@@ -9142,7 +9058,7 @@
     <a:masterClrMapping/>
   </p:clrMapOvr>
   <mc:AlternateContent xmlns:mc="http://schemas.openxmlformats.org/markup-compatibility/2006">
-    <mc:Choice xmlns="" xmlns:p14="http://schemas.microsoft.com/office/powerpoint/2010/main" Requires="p14">
+    <mc:Choice xmlns:p14="http://schemas.microsoft.com/office/powerpoint/2010/main" xmlns="" Requires="p14">
       <p:transition spd="slow" p14:dur="2000"/>
     </mc:Choice>
     <mc:Fallback>
@@ -9216,21 +9132,6 @@
               </a:rPr>
               <a:t>Software Versioning</a:t>
             </a:r>
-            <a:endParaRPr lang="en-US" sz="3500" dirty="0" smtClean="0">
-              <a:solidFill>
-                <a:schemeClr val="tx1">
-                  <a:lumMod val="65000"/>
-                  <a:lumOff val="35000"/>
-                </a:schemeClr>
-              </a:solidFill>
-              <a:effectLst>
-                <a:outerShdw blurRad="38100" dist="38100" dir="2700000" algn="tl">
-                  <a:srgbClr val="000000">
-                    <a:alpha val="43137"/>
-                  </a:srgbClr>
-                </a:outerShdw>
-              </a:effectLst>
-            </a:endParaRPr>
           </a:p>
         </p:txBody>
       </p:sp>
@@ -9261,21 +9162,13 @@
             </a:r>
             <a:r>
               <a:rPr lang="en-US" dirty="0" smtClean="0"/>
-              <a:t> is the process of assigning either unique version names or unique version numbers to unique states </a:t>
-            </a:r>
+              <a:t> is the process of assigning either unique version names or unique version numbers to unique states of computer software.</a:t>
+            </a:r>
+          </a:p>
+          <a:p>
             <a:r>
               <a:rPr lang="en-US" dirty="0" smtClean="0"/>
-              <a:t>of computer software.</a:t>
-            </a:r>
-          </a:p>
-          <a:p>
-            <a:r>
-              <a:rPr lang="en-US" dirty="0" smtClean="0"/>
-              <a:t>A variety of version numbering schemes </a:t>
-            </a:r>
-            <a:r>
-              <a:rPr lang="en-US" dirty="0" smtClean="0"/>
-              <a:t>exist in IT.</a:t>
+              <a:t>A variety of version numbering schemes exist in IT.</a:t>
             </a:r>
           </a:p>
           <a:p>
@@ -9288,15 +9181,7 @@
             </a:r>
             <a:r>
               <a:rPr lang="en-US" dirty="0" smtClean="0"/>
-              <a:t>is </a:t>
-            </a:r>
-            <a:r>
-              <a:rPr lang="en-US" dirty="0" smtClean="0"/>
-              <a:t>a formal convention for specifying compatibility using a three-part version number: major version; minor version; and patch</a:t>
-            </a:r>
-            <a:r>
-              <a:rPr lang="en-US" dirty="0" smtClean="0"/>
-              <a:t>.</a:t>
+              <a:t>is a formal convention for specifying compatibility using a three-part version number: major version; minor version; and patch.</a:t>
             </a:r>
           </a:p>
           <a:p>
@@ -9318,17 +9203,8 @@
             </a:pPr>
             <a:r>
               <a:rPr lang="en-US" dirty="0" smtClean="0"/>
-              <a:t>MAJOR </a:t>
-            </a:r>
-            <a:r>
-              <a:rPr lang="en-US" dirty="0" smtClean="0"/>
-              <a:t>version when you make incompatible API </a:t>
-            </a:r>
-            <a:r>
-              <a:rPr lang="en-US" dirty="0" smtClean="0"/>
-              <a:t>changes</a:t>
-            </a:r>
-            <a:endParaRPr lang="en-US" dirty="0" smtClean="0"/>
+              <a:t>MAJOR version when you make incompatible API changes</a:t>
+            </a:r>
           </a:p>
           <a:p>
             <a:pPr lvl="1">
@@ -9337,11 +9213,7 @@
             </a:pPr>
             <a:r>
               <a:rPr lang="en-US" dirty="0" smtClean="0"/>
-              <a:t>MINOR version when you add functionality in a backwards-compatible </a:t>
-            </a:r>
-            <a:r>
-              <a:rPr lang="en-US" dirty="0" smtClean="0"/>
-              <a:t>manner</a:t>
+              <a:t>MINOR version when you add functionality in a backwards-compatible manner</a:t>
             </a:r>
           </a:p>
           <a:p>
@@ -9351,28 +9223,15 @@
             </a:pPr>
             <a:r>
               <a:rPr lang="en-US" dirty="0" smtClean="0"/>
-              <a:t>P</a:t>
-            </a:r>
-            <a:r>
-              <a:rPr lang="en-US" dirty="0" smtClean="0"/>
-              <a:t>ATCH </a:t>
-            </a:r>
-            <a:r>
-              <a:rPr lang="en-US" dirty="0" smtClean="0"/>
-              <a:t>version when you make backwards-compatible bug </a:t>
-            </a:r>
-            <a:r>
-              <a:rPr lang="en-US" dirty="0" smtClean="0"/>
-              <a:t>fixes</a:t>
-            </a:r>
-            <a:endParaRPr lang="en-US" dirty="0" smtClean="0"/>
+              <a:t>PATCH version when you make backwards-compatible bug fixes</a:t>
+            </a:r>
           </a:p>
         </p:txBody>
       </p:sp>
     </p:spTree>
     <p:extLst>
       <p:ext uri="{BB962C8B-B14F-4D97-AF65-F5344CB8AC3E}">
-        <p14:creationId xmlns="" xmlns:p14="http://schemas.microsoft.com/office/powerpoint/2010/main" val="4060775951"/>
+        <p14:creationId xmlns:p14="http://schemas.microsoft.com/office/powerpoint/2010/main" xmlns="" val="4060775951"/>
       </p:ext>
     </p:extLst>
   </p:cSld>
@@ -9380,7 +9239,7 @@
     <a:masterClrMapping/>
   </p:clrMapOvr>
   <mc:AlternateContent xmlns:mc="http://schemas.openxmlformats.org/markup-compatibility/2006">
-    <mc:Choice xmlns="" xmlns:p14="http://schemas.microsoft.com/office/powerpoint/2010/main" Requires="p14">
+    <mc:Choice xmlns:p14="http://schemas.microsoft.com/office/powerpoint/2010/main" xmlns="" Requires="p14">
       <p:transition spd="slow" p14:dur="2000"/>
     </mc:Choice>
     <mc:Fallback>
@@ -9454,21 +9313,6 @@
               </a:rPr>
               <a:t>Version Control System</a:t>
             </a:r>
-            <a:endParaRPr lang="en-US" sz="3500" dirty="0" smtClean="0">
-              <a:solidFill>
-                <a:schemeClr val="tx1">
-                  <a:lumMod val="65000"/>
-                  <a:lumOff val="35000"/>
-                </a:schemeClr>
-              </a:solidFill>
-              <a:effectLst>
-                <a:outerShdw blurRad="38100" dist="38100" dir="2700000" algn="tl">
-                  <a:srgbClr val="000000">
-                    <a:alpha val="43137"/>
-                  </a:srgbClr>
-                </a:outerShdw>
-              </a:effectLst>
-            </a:endParaRPr>
           </a:p>
         </p:txBody>
       </p:sp>
@@ -9499,15 +9343,7 @@
             </a:r>
             <a:r>
               <a:rPr lang="en-US" sz="1600" dirty="0" smtClean="0"/>
-              <a:t> – is a software that helps to </a:t>
-            </a:r>
-            <a:r>
-              <a:rPr lang="en-US" sz="1600" dirty="0" smtClean="0"/>
-              <a:t>work with </a:t>
-            </a:r>
-            <a:r>
-              <a:rPr lang="en-US" sz="1600" dirty="0" smtClean="0"/>
-              <a:t>changeable</a:t>
+              <a:t> – is a software that helps to work with changeable</a:t>
             </a:r>
             <a:r>
               <a:rPr lang="ru-RU" sz="1600" dirty="0" smtClean="0"/>
@@ -9538,23 +9374,7 @@
           <a:p>
             <a:r>
               <a:rPr lang="en-US" sz="1600" dirty="0" smtClean="0"/>
-              <a:t>Also, </a:t>
-            </a:r>
-            <a:r>
-              <a:rPr lang="en-US" sz="1600" dirty="0" smtClean="0"/>
-              <a:t>they are commonly </a:t>
-            </a:r>
-            <a:r>
-              <a:rPr lang="en-US" sz="1600" dirty="0" smtClean="0"/>
-              <a:t>used in the </a:t>
-            </a:r>
-            <a:r>
-              <a:rPr lang="en-US" sz="1600" dirty="0" smtClean="0"/>
-              <a:t>fields with </a:t>
-            </a:r>
-            <a:r>
-              <a:rPr lang="en-US" sz="1600" dirty="0" smtClean="0"/>
-              <a:t>changeable</a:t>
+              <a:t>Also, they are commonly used in the fields with changeable</a:t>
             </a:r>
             <a:r>
               <a:rPr lang="ru-RU" sz="1600" dirty="0" smtClean="0"/>
@@ -9579,11 +9399,7 @@
             </a:r>
             <a:r>
               <a:rPr lang="en-US" sz="1600" dirty="0" smtClean="0"/>
-              <a:t> contains the most current development code at all times. This is where you work up to your next major release of code</a:t>
-            </a:r>
-            <a:r>
-              <a:rPr lang="en-US" sz="1600" dirty="0" smtClean="0"/>
-              <a:t>.</a:t>
+              <a:t> contains the most current development code at all times. This is where you work up to your next major release of code.</a:t>
             </a:r>
           </a:p>
           <a:p>
@@ -9600,19 +9416,7 @@
             </a:r>
             <a:r>
               <a:rPr lang="en-US" sz="1600" dirty="0" smtClean="0"/>
-              <a:t> directory you can create paths for you code to travel to more specific goals like an upcoming release</a:t>
-            </a:r>
-            <a:r>
-              <a:rPr lang="en-US" sz="1600" dirty="0" smtClean="0"/>
-              <a:t>. The </a:t>
-            </a:r>
-            <a:r>
-              <a:rPr lang="en-US" sz="1600" dirty="0" smtClean="0"/>
-              <a:t>branches directory contains copies of your trunk at various stages of development</a:t>
-            </a:r>
-            <a:r>
-              <a:rPr lang="en-US" sz="1600" dirty="0" smtClean="0"/>
-              <a:t>.</a:t>
+              <a:t> directory you can create paths for you code to travel to more specific goals like an upcoming release. The branches directory contains copies of your trunk at various stages of development.</a:t>
             </a:r>
           </a:p>
           <a:p>
@@ -9655,11 +9459,7 @@
             </a:r>
             <a:r>
               <a:rPr lang="en-US" sz="1600" dirty="0" smtClean="0"/>
-              <a:t> are, like branches, copies of your code. Tags, however, are not to be used for active development. They mark (tag) a certain state your code is in</a:t>
-            </a:r>
-            <a:r>
-              <a:rPr lang="en-US" sz="1600" dirty="0" smtClean="0"/>
-              <a:t>.</a:t>
+              <a:t> are, like branches, copies of your code. Tags, however, are not to be used for active development. They mark (tag) a certain state your code is in.</a:t>
             </a:r>
           </a:p>
         </p:txBody>
@@ -9667,7 +9467,7 @@
     </p:spTree>
     <p:extLst>
       <p:ext uri="{BB962C8B-B14F-4D97-AF65-F5344CB8AC3E}">
-        <p14:creationId xmlns="" xmlns:p14="http://schemas.microsoft.com/office/powerpoint/2010/main" val="4060775951"/>
+        <p14:creationId xmlns:p14="http://schemas.microsoft.com/office/powerpoint/2010/main" xmlns="" val="4060775951"/>
       </p:ext>
     </p:extLst>
   </p:cSld>
@@ -9675,7 +9475,7 @@
     <a:masterClrMapping/>
   </p:clrMapOvr>
   <mc:AlternateContent xmlns:mc="http://schemas.openxmlformats.org/markup-compatibility/2006">
-    <mc:Choice xmlns="" xmlns:p14="http://schemas.microsoft.com/office/powerpoint/2010/main" Requires="p14">
+    <mc:Choice xmlns:p14="http://schemas.microsoft.com/office/powerpoint/2010/main" xmlns="" Requires="p14">
       <p:transition spd="slow" p14:dur="2000"/>
     </mc:Choice>
     <mc:Fallback>
@@ -9721,7 +9521,7 @@
           <a:blip r:embed="rId3" cstate="print">
             <a:extLst>
               <a:ext uri="{28A0092B-C50C-407E-A947-70E740481C1C}">
-                <a14:useLocalDpi xmlns="" xmlns:a14="http://schemas.microsoft.com/office/drawing/2010/main" val="0"/>
+                <a14:useLocalDpi xmlns:a14="http://schemas.microsoft.com/office/drawing/2010/main" xmlns="" val="0"/>
               </a:ext>
             </a:extLst>
           </a:blip>
@@ -9741,7 +9541,7 @@
           <a:noFill/>
           <a:extLst>
             <a:ext uri="{909E8E84-426E-40DD-AFC4-6F175D3DCCD1}">
-              <a14:hiddenFill xmlns="" xmlns:a14="http://schemas.microsoft.com/office/drawing/2010/main">
+              <a14:hiddenFill xmlns:a14="http://schemas.microsoft.com/office/drawing/2010/main" xmlns="">
                 <a:solidFill>
                   <a:srgbClr val="FFFFFF"/>
                 </a:solidFill>
@@ -9866,9 +9666,24 @@
           <a:p>
             <a:r>
               <a:rPr lang="en-US" b="1" i="1" dirty="0" smtClean="0"/>
-              <a:t>Version control system, software versioning, error gusting, exploratory testing, experience-based testing, graphical control elements</a:t>
-            </a:r>
-            <a:endParaRPr lang="en-US" b="1" i="1" dirty="0" smtClean="0"/>
+              <a:t>Version control system, software versioning, error </a:t>
+            </a:r>
+            <a:r>
+              <a:rPr lang="en-US" b="1" i="1" dirty="0" smtClean="0"/>
+              <a:t>gues</a:t>
+            </a:r>
+            <a:r>
+              <a:rPr lang="en-US" b="1" i="1" dirty="0" smtClean="0"/>
+              <a:t>s</a:t>
+            </a:r>
+            <a:r>
+              <a:rPr lang="en-US" b="1" i="1" dirty="0" smtClean="0"/>
+              <a:t>ing</a:t>
+            </a:r>
+            <a:r>
+              <a:rPr lang="en-US" b="1" i="1" dirty="0" smtClean="0"/>
+              <a:t>, exploratory testing, experience-based testing, graphical control elements</a:t>
+            </a:r>
           </a:p>
         </p:txBody>
       </p:sp>
@@ -9895,15 +9710,7 @@
           <a:p>
             <a:r>
               <a:rPr lang="en-US" i="1" dirty="0" smtClean="0"/>
-              <a:t>Answers on the </a:t>
-            </a:r>
-            <a:r>
-              <a:rPr lang="en-US" i="1" dirty="0" smtClean="0"/>
-              <a:t>test questions </a:t>
-            </a:r>
-            <a:r>
-              <a:rPr lang="en-US" i="1" dirty="0" smtClean="0"/>
-              <a:t>send to </a:t>
+              <a:t>Answers on the test questions send to </a:t>
             </a:r>
             <a:r>
               <a:rPr lang="en-US" i="1" dirty="0" smtClean="0">
@@ -9922,7 +9729,7 @@
     </p:spTree>
     <p:extLst>
       <p:ext uri="{BB962C8B-B14F-4D97-AF65-F5344CB8AC3E}">
-        <p14:creationId xmlns="" xmlns:p14="http://schemas.microsoft.com/office/powerpoint/2010/main" val="3400026356"/>
+        <p14:creationId xmlns:p14="http://schemas.microsoft.com/office/powerpoint/2010/main" xmlns="" val="3400026356"/>
       </p:ext>
     </p:extLst>
   </p:cSld>
@@ -10345,21 +10152,8 @@
             </a:pPr>
             <a:r>
               <a:rPr lang="en-US" sz="2000" i="1" dirty="0" smtClean="0"/>
-              <a:t>Which </a:t>
-            </a:r>
-            <a:r>
-              <a:rPr lang="en-US" sz="2000" i="1" dirty="0" smtClean="0"/>
-              <a:t>ways for </a:t>
-            </a:r>
-            <a:r>
-              <a:rPr lang="en-US" sz="2000" i="1" dirty="0" smtClean="0"/>
-              <a:t>successful </a:t>
-            </a:r>
-            <a:r>
-              <a:rPr lang="en-US" sz="2000" i="1" dirty="0" smtClean="0"/>
-              <a:t>review do you know?</a:t>
-            </a:r>
-            <a:endParaRPr lang="en-US" sz="2000" i="1" dirty="0" smtClean="0"/>
+              <a:t>Which ways for successful review do you know?</a:t>
+            </a:r>
           </a:p>
           <a:p>
             <a:pPr>
@@ -10375,17 +10169,8 @@
             </a:pPr>
             <a:r>
               <a:rPr lang="en-US" sz="2000" i="1" dirty="0" smtClean="0"/>
-              <a:t>Tell </a:t>
-            </a:r>
-            <a:r>
-              <a:rPr lang="en-US" sz="2000" i="1" dirty="0" smtClean="0"/>
-              <a:t>about Equivalence Partitioning and Boundary Value Analysis </a:t>
-            </a:r>
-            <a:r>
-              <a:rPr lang="en-US" sz="2000" i="1" dirty="0" smtClean="0"/>
-              <a:t>techniques</a:t>
-            </a:r>
-            <a:endParaRPr lang="en-US" sz="2000" i="1" dirty="0" smtClean="0"/>
+              <a:t>Tell about Equivalence Partitioning and Boundary Value Analysis techniques</a:t>
+            </a:r>
           </a:p>
           <a:p>
             <a:pPr>
@@ -10401,23 +10186,7 @@
             </a:pPr>
             <a:r>
               <a:rPr lang="en-US" sz="2000" i="1" dirty="0" smtClean="0"/>
-              <a:t>Tell about </a:t>
-            </a:r>
-            <a:r>
-              <a:rPr lang="en-US" sz="2000" i="1" dirty="0" smtClean="0"/>
-              <a:t>Decision Table Testing </a:t>
-            </a:r>
-            <a:r>
-              <a:rPr lang="en-US" sz="2000" i="1" dirty="0" smtClean="0"/>
-              <a:t>a</a:t>
-            </a:r>
-            <a:r>
-              <a:rPr lang="en-US" sz="2000" i="1" dirty="0" smtClean="0"/>
-              <a:t>nd State Transition Testing </a:t>
-            </a:r>
-            <a:r>
-              <a:rPr lang="en-US" sz="2000" i="1" dirty="0" smtClean="0"/>
-              <a:t>techniques</a:t>
+              <a:t>Tell about Decision Table Testing and State Transition Testing techniques</a:t>
             </a:r>
           </a:p>
         </p:txBody>
@@ -10425,7 +10194,7 @@
     </p:spTree>
     <p:extLst>
       <p:ext uri="{BB962C8B-B14F-4D97-AF65-F5344CB8AC3E}">
-        <p14:creationId xmlns="" xmlns:p14="http://schemas.microsoft.com/office/powerpoint/2010/main" val="3292176594"/>
+        <p14:creationId xmlns:p14="http://schemas.microsoft.com/office/powerpoint/2010/main" xmlns="" val="3292176594"/>
       </p:ext>
     </p:extLst>
   </p:cSld>
@@ -10618,7 +10387,6 @@
               <a:rPr lang="en-US" sz="1600" dirty="0" smtClean="0"/>
               <a:t> </a:t>
             </a:r>
-            <a:endParaRPr lang="en-US" sz="1600" dirty="0" smtClean="0"/>
           </a:p>
           <a:p>
             <a:r>
@@ -10648,7 +10416,6 @@
               <a:rPr lang="en-US" sz="1600" dirty="0" smtClean="0"/>
               <a:t>  </a:t>
             </a:r>
-            <a:endParaRPr lang="en-US" sz="1600" dirty="0" smtClean="0"/>
           </a:p>
           <a:p>
             <a:r>
@@ -10666,7 +10433,7 @@
     </p:spTree>
     <p:extLst>
       <p:ext uri="{BB962C8B-B14F-4D97-AF65-F5344CB8AC3E}">
-        <p14:creationId xmlns="" xmlns:p14="http://schemas.microsoft.com/office/powerpoint/2010/main" val="4060775951"/>
+        <p14:creationId xmlns:p14="http://schemas.microsoft.com/office/powerpoint/2010/main" xmlns="" val="4060775951"/>
       </p:ext>
     </p:extLst>
   </p:cSld>
@@ -10674,7 +10441,7 @@
     <a:masterClrMapping/>
   </p:clrMapOvr>
   <mc:AlternateContent xmlns:mc="http://schemas.openxmlformats.org/markup-compatibility/2006">
-    <mc:Choice xmlns="" xmlns:p14="http://schemas.microsoft.com/office/powerpoint/2010/main" Requires="p14">
+    <mc:Choice xmlns:p14="http://schemas.microsoft.com/office/powerpoint/2010/main" xmlns="" Requires="p14">
       <p:transition spd="slow" p14:dur="2000"/>
     </mc:Choice>
     <mc:Fallback>
@@ -10883,7 +10650,7 @@
     </p:spTree>
     <p:extLst>
       <p:ext uri="{BB962C8B-B14F-4D97-AF65-F5344CB8AC3E}">
-        <p14:creationId xmlns="" xmlns:p14="http://schemas.microsoft.com/office/powerpoint/2010/main" val="4060775951"/>
+        <p14:creationId xmlns:p14="http://schemas.microsoft.com/office/powerpoint/2010/main" xmlns="" val="4060775951"/>
       </p:ext>
     </p:extLst>
   </p:cSld>
@@ -10891,7 +10658,7 @@
     <a:masterClrMapping/>
   </p:clrMapOvr>
   <mc:AlternateContent xmlns:mc="http://schemas.openxmlformats.org/markup-compatibility/2006">
-    <mc:Choice xmlns="" xmlns:p14="http://schemas.microsoft.com/office/powerpoint/2010/main" Requires="p14">
+    <mc:Choice xmlns:p14="http://schemas.microsoft.com/office/powerpoint/2010/main" xmlns="" Requires="p14">
       <p:transition spd="slow" p14:dur="2000"/>
     </mc:Choice>
     <mc:Fallback>
@@ -11100,7 +10867,7 @@
     </p:spTree>
     <p:extLst>
       <p:ext uri="{BB962C8B-B14F-4D97-AF65-F5344CB8AC3E}">
-        <p14:creationId xmlns="" xmlns:p14="http://schemas.microsoft.com/office/powerpoint/2010/main" val="4060775951"/>
+        <p14:creationId xmlns:p14="http://schemas.microsoft.com/office/powerpoint/2010/main" xmlns="" val="4060775951"/>
       </p:ext>
     </p:extLst>
   </p:cSld>
@@ -11108,7 +10875,7 @@
     <a:masterClrMapping/>
   </p:clrMapOvr>
   <mc:AlternateContent xmlns:mc="http://schemas.openxmlformats.org/markup-compatibility/2006">
-    <mc:Choice xmlns="" xmlns:p14="http://schemas.microsoft.com/office/powerpoint/2010/main" Requires="p14">
+    <mc:Choice xmlns:p14="http://schemas.microsoft.com/office/powerpoint/2010/main" xmlns="" Requires="p14">
       <p:transition spd="slow" p14:dur="2000"/>
     </mc:Choice>
     <mc:Fallback>
@@ -11293,7 +11060,7 @@
     </p:spTree>
     <p:extLst>
       <p:ext uri="{BB962C8B-B14F-4D97-AF65-F5344CB8AC3E}">
-        <p14:creationId xmlns="" xmlns:p14="http://schemas.microsoft.com/office/powerpoint/2010/main" val="4060775951"/>
+        <p14:creationId xmlns:p14="http://schemas.microsoft.com/office/powerpoint/2010/main" xmlns="" val="4060775951"/>
       </p:ext>
     </p:extLst>
   </p:cSld>
@@ -11301,7 +11068,7 @@
     <a:masterClrMapping/>
   </p:clrMapOvr>
   <mc:AlternateContent xmlns:mc="http://schemas.openxmlformats.org/markup-compatibility/2006">
-    <mc:Choice xmlns="" xmlns:p14="http://schemas.microsoft.com/office/powerpoint/2010/main" Requires="p14">
+    <mc:Choice xmlns:p14="http://schemas.microsoft.com/office/powerpoint/2010/main" xmlns="" Requires="p14">
       <p:transition spd="slow" p14:dur="2000"/>
     </mc:Choice>
     <mc:Fallback>
@@ -11486,7 +11253,7 @@
     </p:spTree>
     <p:extLst>
       <p:ext uri="{BB962C8B-B14F-4D97-AF65-F5344CB8AC3E}">
-        <p14:creationId xmlns="" xmlns:p14="http://schemas.microsoft.com/office/powerpoint/2010/main" val="4060775951"/>
+        <p14:creationId xmlns:p14="http://schemas.microsoft.com/office/powerpoint/2010/main" xmlns="" val="4060775951"/>
       </p:ext>
     </p:extLst>
   </p:cSld>
@@ -11494,7 +11261,7 @@
     <a:masterClrMapping/>
   </p:clrMapOvr>
   <mc:AlternateContent xmlns:mc="http://schemas.openxmlformats.org/markup-compatibility/2006">
-    <mc:Choice xmlns="" xmlns:p14="http://schemas.microsoft.com/office/powerpoint/2010/main" Requires="p14">
+    <mc:Choice xmlns:p14="http://schemas.microsoft.com/office/powerpoint/2010/main" xmlns="" Requires="p14">
       <p:transition spd="slow" p14:dur="2000"/>
     </mc:Choice>
     <mc:Fallback>
@@ -11679,7 +11446,7 @@
     </p:spTree>
     <p:extLst>
       <p:ext uri="{BB962C8B-B14F-4D97-AF65-F5344CB8AC3E}">
-        <p14:creationId xmlns="" xmlns:p14="http://schemas.microsoft.com/office/powerpoint/2010/main" val="4060775951"/>
+        <p14:creationId xmlns:p14="http://schemas.microsoft.com/office/powerpoint/2010/main" xmlns="" val="4060775951"/>
       </p:ext>
     </p:extLst>
   </p:cSld>
@@ -11687,7 +11454,7 @@
     <a:masterClrMapping/>
   </p:clrMapOvr>
   <mc:AlternateContent xmlns:mc="http://schemas.openxmlformats.org/markup-compatibility/2006">
-    <mc:Choice xmlns="" xmlns:p14="http://schemas.microsoft.com/office/powerpoint/2010/main" Requires="p14">
+    <mc:Choice xmlns:p14="http://schemas.microsoft.com/office/powerpoint/2010/main" xmlns="" Requires="p14">
       <p:transition spd="slow" p14:dur="2000"/>
     </mc:Choice>
     <mc:Fallback>
@@ -11872,7 +11639,7 @@
     </p:spTree>
     <p:extLst>
       <p:ext uri="{BB962C8B-B14F-4D97-AF65-F5344CB8AC3E}">
-        <p14:creationId xmlns="" xmlns:p14="http://schemas.microsoft.com/office/powerpoint/2010/main" val="4060775951"/>
+        <p14:creationId xmlns:p14="http://schemas.microsoft.com/office/powerpoint/2010/main" xmlns="" val="4060775951"/>
       </p:ext>
     </p:extLst>
   </p:cSld>
@@ -11880,7 +11647,7 @@
     <a:masterClrMapping/>
   </p:clrMapOvr>
   <mc:AlternateContent xmlns:mc="http://schemas.openxmlformats.org/markup-compatibility/2006">
-    <mc:Choice xmlns="" xmlns:p14="http://schemas.microsoft.com/office/powerpoint/2010/main" Requires="p14">
+    <mc:Choice xmlns:p14="http://schemas.microsoft.com/office/powerpoint/2010/main" xmlns="" Requires="p14">
       <p:transition spd="slow" p14:dur="2000"/>
     </mc:Choice>
     <mc:Fallback>
